--- a/Seminário/Rascunho Douglas/Apresentação Raciocinio Baseado em Casos.pptx
+++ b/Seminário/Rascunho Douglas/Apresentação Raciocinio Baseado em Casos.pptx
@@ -5,7 +5,7 @@
     <p:sldMasterId id="2147483648" r:id="rId1"/>
   </p:sldMasterIdLst>
   <p:notesMasterIdLst>
-    <p:notesMasterId r:id="rId19"/>
+    <p:notesMasterId r:id="rId18"/>
   </p:notesMasterIdLst>
   <p:sldIdLst>
     <p:sldId id="279" r:id="rId2"/>
@@ -19,12 +19,11 @@
     <p:sldId id="298" r:id="rId10"/>
     <p:sldId id="303" r:id="rId11"/>
     <p:sldId id="304" r:id="rId12"/>
-    <p:sldId id="305" r:id="rId13"/>
-    <p:sldId id="299" r:id="rId14"/>
-    <p:sldId id="300" r:id="rId15"/>
-    <p:sldId id="301" r:id="rId16"/>
-    <p:sldId id="307" r:id="rId17"/>
-    <p:sldId id="308" r:id="rId18"/>
+    <p:sldId id="299" r:id="rId13"/>
+    <p:sldId id="300" r:id="rId14"/>
+    <p:sldId id="301" r:id="rId15"/>
+    <p:sldId id="307" r:id="rId16"/>
+    <p:sldId id="308" r:id="rId17"/>
   </p:sldIdLst>
   <p:sldSz cx="9144000" cy="6858000" type="screen4x3"/>
   <p:notesSz cx="6858000" cy="9144000"/>
@@ -255,7 +254,7 @@
             <a:fld id="{13B6AAE4-EF4D-4C82-8EAA-D1188FC8F7D3}" type="datetimeFigureOut">
               <a:rPr lang="pt-BR" smtClean="0"/>
               <a:pPr/>
-              <a:t>25/06/2019</a:t>
+              <a:t>26/06/2019</a:t>
             </a:fld>
             <a:endParaRPr lang="pt-BR"/>
           </a:p>
@@ -4221,108 +4220,57 @@
             <p:ph type="title"/>
           </p:nvPr>
         </p:nvSpPr>
-        <p:spPr/>
+        <p:spPr>
+          <a:xfrm>
+            <a:off x="457200" y="274638"/>
+            <a:ext cx="8229600" cy="1379116"/>
+          </a:xfrm>
+        </p:spPr>
         <p:txBody>
           <a:bodyPr/>
           <a:lstStyle/>
           <a:p>
             <a:r>
               <a:rPr lang="pt-BR" dirty="0" smtClean="0"/>
-              <a:t>Recomendações</a:t>
-            </a:r>
+              <a:t>Estado da arte</a:t>
+            </a:r>
+            <a:r>
+              <a:rPr lang="pt-BR" dirty="0"/>
+              <a:t/>
+            </a:r>
+            <a:br>
+              <a:rPr lang="pt-BR" dirty="0"/>
+            </a:br>
             <a:endParaRPr lang="pt-BR" dirty="0"/>
           </a:p>
         </p:txBody>
       </p:sp>
-      <p:sp>
-        <p:nvSpPr>
-          <p:cNvPr id="3" name="Espaço Reservado para Conteúdo 2"/>
-          <p:cNvSpPr>
-            <a:spLocks noGrp="1"/>
-          </p:cNvSpPr>
+      <p:pic>
+        <p:nvPicPr>
+          <p:cNvPr id="5" name="Espaço Reservado para Conteúdo 4"/>
+          <p:cNvPicPr>
+            <a:picLocks noGrp="1" noChangeAspect="1"/>
+          </p:cNvPicPr>
           <p:nvPr>
             <p:ph idx="1"/>
           </p:nvPr>
-        </p:nvSpPr>
-        <p:spPr/>
-        <p:txBody>
-          <a:bodyPr/>
-          <a:lstStyle/>
-          <a:p>
-            <a:r>
-              <a:rPr lang="pt-BR" dirty="0"/>
-              <a:t>Compreender o Modelo da </a:t>
-            </a:r>
-            <a:r>
-              <a:rPr lang="pt-BR" dirty="0" smtClean="0"/>
-              <a:t>Ameaça</a:t>
-            </a:r>
-          </a:p>
-          <a:p>
-            <a:pPr lvl="1"/>
-            <a:r>
-              <a:rPr lang="pt-BR" dirty="0"/>
-              <a:t>Que tipo de ambiente é o alvo do sistema</a:t>
-            </a:r>
-          </a:p>
-          <a:p>
-            <a:pPr lvl="1"/>
-            <a:r>
-              <a:rPr lang="pt-BR" dirty="0"/>
-              <a:t>Quais habilidades e recursos terão os atacantes</a:t>
-            </a:r>
-          </a:p>
-          <a:p>
-            <a:pPr lvl="1"/>
-            <a:r>
-              <a:rPr lang="pt-BR" dirty="0"/>
-              <a:t>Qual o grau de preocupação com evasão</a:t>
-            </a:r>
-          </a:p>
-          <a:p>
-            <a:r>
-              <a:rPr lang="pt-BR" dirty="0" smtClean="0"/>
-              <a:t>Reduzir </a:t>
-            </a:r>
-            <a:r>
-              <a:rPr lang="pt-BR" dirty="0"/>
-              <a:t>custos </a:t>
-            </a:r>
-          </a:p>
-          <a:p>
-            <a:pPr lvl="1"/>
-            <a:r>
-              <a:rPr lang="pt-BR" dirty="0"/>
-              <a:t>F</a:t>
-            </a:r>
-            <a:r>
-              <a:rPr lang="pt-BR" dirty="0" smtClean="0"/>
-              <a:t>alsos </a:t>
-            </a:r>
-            <a:r>
-              <a:rPr lang="pt-BR" dirty="0"/>
-              <a:t>positivos</a:t>
-            </a:r>
-            <a:endParaRPr lang="pt-BR" dirty="0" smtClean="0"/>
-          </a:p>
-          <a:p>
-            <a:pPr lvl="1"/>
-            <a:r>
-              <a:rPr lang="pt-BR" dirty="0"/>
-              <a:t>R</a:t>
-            </a:r>
-            <a:r>
-              <a:rPr lang="pt-BR" dirty="0" smtClean="0"/>
-              <a:t>eduzir </a:t>
-            </a:r>
-            <a:r>
-              <a:rPr lang="pt-BR" dirty="0"/>
-              <a:t>o escopo </a:t>
-            </a:r>
-            <a:endParaRPr lang="pt-BR" dirty="0" smtClean="0"/>
-          </a:p>
-        </p:txBody>
-      </p:sp>
+        </p:nvPicPr>
+        <p:blipFill>
+          <a:blip r:embed="rId2"/>
+          <a:stretch>
+            <a:fillRect/>
+          </a:stretch>
+        </p:blipFill>
+        <p:spPr>
+          <a:xfrm>
+            <a:off x="1115616" y="2060848"/>
+            <a:ext cx="7111102" cy="2972420"/>
+          </a:xfrm>
+          <a:prstGeom prst="rect">
+            <a:avLst/>
+          </a:prstGeom>
+        </p:spPr>
+      </p:pic>
       <p:sp>
         <p:nvSpPr>
           <p:cNvPr id="4" name="Espaço Reservado para Número de Slide 3"/>
@@ -4355,7 +4303,7 @@
     </p:spTree>
     <p:extLst>
       <p:ext uri="{BB962C8B-B14F-4D97-AF65-F5344CB8AC3E}">
-        <p14:creationId xmlns:p14="http://schemas.microsoft.com/office/powerpoint/2010/main" val="3824575848"/>
+        <p14:creationId xmlns:p14="http://schemas.microsoft.com/office/powerpoint/2010/main" val="2630598940"/>
       </p:ext>
     </p:extLst>
   </p:cSld>
@@ -4395,7 +4343,7 @@
         <p:spPr>
           <a:xfrm>
             <a:off x="457200" y="274638"/>
-            <a:ext cx="8229600" cy="1379116"/>
+            <a:ext cx="8229600" cy="1451124"/>
           </a:xfrm>
         </p:spPr>
         <p:txBody>
@@ -4404,15 +4352,8 @@
           <a:p>
             <a:r>
               <a:rPr lang="pt-BR" dirty="0" smtClean="0"/>
-              <a:t>Estado da arte</a:t>
-            </a:r>
-            <a:r>
-              <a:rPr lang="pt-BR" dirty="0"/>
-              <a:t/>
-            </a:r>
-            <a:br>
-              <a:rPr lang="pt-BR" dirty="0"/>
-            </a:br>
+              <a:t>Dificuldades</a:t>
+            </a:r>
             <a:endParaRPr lang="pt-BR" dirty="0"/>
           </a:p>
         </p:txBody>
@@ -4429,8 +4370,8 @@
         </p:nvSpPr>
         <p:spPr>
           <a:xfrm>
-            <a:off x="457200" y="1772816"/>
-            <a:ext cx="8229600" cy="4353347"/>
+            <a:off x="457200" y="1844824"/>
+            <a:ext cx="8229600" cy="4281339"/>
           </a:xfrm>
         </p:spPr>
         <p:txBody>
@@ -4474,7 +4415,7 @@
     </p:spTree>
     <p:extLst>
       <p:ext uri="{BB962C8B-B14F-4D97-AF65-F5344CB8AC3E}">
-        <p14:creationId xmlns:p14="http://schemas.microsoft.com/office/powerpoint/2010/main" val="2630598940"/>
+        <p14:creationId xmlns:p14="http://schemas.microsoft.com/office/powerpoint/2010/main" val="399467878"/>
       </p:ext>
     </p:extLst>
   </p:cSld>
@@ -4511,19 +4452,14 @@
             <p:ph type="title"/>
           </p:nvPr>
         </p:nvSpPr>
-        <p:spPr>
-          <a:xfrm>
-            <a:off x="457200" y="274638"/>
-            <a:ext cx="8229600" cy="1451124"/>
-          </a:xfrm>
-        </p:spPr>
+        <p:spPr/>
         <p:txBody>
           <a:bodyPr/>
           <a:lstStyle/>
           <a:p>
             <a:r>
               <a:rPr lang="pt-BR" dirty="0" smtClean="0"/>
-              <a:t>Dificuldades</a:t>
+              <a:t>Conclusão</a:t>
             </a:r>
             <a:endParaRPr lang="pt-BR" dirty="0"/>
           </a:p>
@@ -4539,18 +4475,59 @@
             <p:ph idx="1"/>
           </p:nvPr>
         </p:nvSpPr>
-        <p:spPr>
-          <a:xfrm>
-            <a:off x="457200" y="1844824"/>
-            <a:ext cx="8229600" cy="4281339"/>
-          </a:xfrm>
-        </p:spPr>
+        <p:spPr/>
         <p:txBody>
           <a:bodyPr/>
           <a:lstStyle/>
           <a:p>
             <a:pPr algn="just"/>
-            <a:endParaRPr lang="pt-BR" dirty="0"/>
+            <a:r>
+              <a:rPr lang="pt-BR" dirty="0" smtClean="0"/>
+              <a:t>Aplicável em varias áreas</a:t>
+            </a:r>
+          </a:p>
+          <a:p>
+            <a:pPr algn="just"/>
+            <a:r>
+              <a:rPr lang="pt-BR" dirty="0" smtClean="0"/>
+              <a:t>Reduz tempo de tratativa</a:t>
+            </a:r>
+          </a:p>
+          <a:p>
+            <a:pPr algn="just"/>
+            <a:r>
+              <a:rPr lang="pt-BR" dirty="0" smtClean="0"/>
+              <a:t>Reduz a complexidade </a:t>
+            </a:r>
+          </a:p>
+          <a:p>
+            <a:pPr algn="just"/>
+            <a:r>
+              <a:rPr lang="pt-BR" dirty="0" smtClean="0"/>
+              <a:t>Eleva a assertividade </a:t>
+            </a:r>
+          </a:p>
+          <a:p>
+            <a:pPr algn="just"/>
+            <a:r>
+              <a:rPr lang="pt-BR" dirty="0" smtClean="0"/>
+              <a:t>Possibilita automação</a:t>
+            </a:r>
+          </a:p>
+          <a:p>
+            <a:pPr algn="just"/>
+            <a:r>
+              <a:rPr lang="pt-BR" dirty="0" smtClean="0"/>
+              <a:t>Vantagens sob sistemas especialistas</a:t>
+            </a:r>
+          </a:p>
+          <a:p>
+            <a:pPr algn="just"/>
+            <a:r>
+              <a:rPr lang="pt-BR" dirty="0" smtClean="0"/>
+              <a:t>Quanto mais usado, mais capacitado</a:t>
+            </a:r>
+            <a:endParaRPr lang="pt-BR" dirty="0" smtClean="0"/>
           </a:p>
         </p:txBody>
       </p:sp>
@@ -4586,7 +4563,7 @@
     </p:spTree>
     <p:extLst>
       <p:ext uri="{BB962C8B-B14F-4D97-AF65-F5344CB8AC3E}">
-        <p14:creationId xmlns:p14="http://schemas.microsoft.com/office/powerpoint/2010/main" val="399467878"/>
+        <p14:creationId xmlns:p14="http://schemas.microsoft.com/office/powerpoint/2010/main" val="542792240"/>
       </p:ext>
     </p:extLst>
   </p:cSld>
@@ -4630,29 +4607,9 @@
           <a:p>
             <a:r>
               <a:rPr lang="pt-BR" dirty="0" smtClean="0"/>
-              <a:t>Conclusão</a:t>
+              <a:t>Duvidas?</a:t>
             </a:r>
             <a:endParaRPr lang="pt-BR" dirty="0"/>
-          </a:p>
-        </p:txBody>
-      </p:sp>
-      <p:sp>
-        <p:nvSpPr>
-          <p:cNvPr id="3" name="Espaço Reservado para Conteúdo 2"/>
-          <p:cNvSpPr>
-            <a:spLocks noGrp="1"/>
-          </p:cNvSpPr>
-          <p:nvPr>
-            <p:ph idx="1"/>
-          </p:nvPr>
-        </p:nvSpPr>
-        <p:spPr/>
-        <p:txBody>
-          <a:bodyPr/>
-          <a:lstStyle/>
-          <a:p>
-            <a:pPr algn="just"/>
-            <a:endParaRPr lang="pt-BR" dirty="0" smtClean="0"/>
           </a:p>
         </p:txBody>
       </p:sp>
@@ -4680,88 +4637,6 @@
                 <a:defRPr/>
               </a:pPr>
               <a:t>15</a:t>
-            </a:fld>
-            <a:endParaRPr lang="pt-BR"/>
-          </a:p>
-        </p:txBody>
-      </p:sp>
-    </p:spTree>
-    <p:extLst>
-      <p:ext uri="{BB962C8B-B14F-4D97-AF65-F5344CB8AC3E}">
-        <p14:creationId xmlns:p14="http://schemas.microsoft.com/office/powerpoint/2010/main" val="542792240"/>
-      </p:ext>
-    </p:extLst>
-  </p:cSld>
-  <p:clrMapOvr>
-    <a:masterClrMapping/>
-  </p:clrMapOvr>
-</p:sld>
-</file>
-
-<file path=ppt/slides/slide16.xml><?xml version="1.0" encoding="utf-8"?>
-<p:sld xmlns:a="http://schemas.openxmlformats.org/drawingml/2006/main" xmlns:r="http://schemas.openxmlformats.org/officeDocument/2006/relationships" xmlns:p="http://schemas.openxmlformats.org/presentationml/2006/main">
-  <p:cSld>
-    <p:spTree>
-      <p:nvGrpSpPr>
-        <p:cNvPr id="1" name=""/>
-        <p:cNvGrpSpPr/>
-        <p:nvPr/>
-      </p:nvGrpSpPr>
-      <p:grpSpPr>
-        <a:xfrm>
-          <a:off x="0" y="0"/>
-          <a:ext cx="0" cy="0"/>
-          <a:chOff x="0" y="0"/>
-          <a:chExt cx="0" cy="0"/>
-        </a:xfrm>
-      </p:grpSpPr>
-      <p:sp>
-        <p:nvSpPr>
-          <p:cNvPr id="2" name="Título 1"/>
-          <p:cNvSpPr>
-            <a:spLocks noGrp="1"/>
-          </p:cNvSpPr>
-          <p:nvPr>
-            <p:ph type="title"/>
-          </p:nvPr>
-        </p:nvSpPr>
-        <p:spPr/>
-        <p:txBody>
-          <a:bodyPr/>
-          <a:lstStyle/>
-          <a:p>
-            <a:r>
-              <a:rPr lang="pt-BR" dirty="0" smtClean="0"/>
-              <a:t>Duvidas?</a:t>
-            </a:r>
-            <a:endParaRPr lang="pt-BR" dirty="0"/>
-          </a:p>
-        </p:txBody>
-      </p:sp>
-      <p:sp>
-        <p:nvSpPr>
-          <p:cNvPr id="4" name="Espaço Reservado para Número de Slide 3"/>
-          <p:cNvSpPr>
-            <a:spLocks noGrp="1"/>
-          </p:cNvSpPr>
-          <p:nvPr>
-            <p:ph type="sldNum" sz="quarter" idx="12"/>
-          </p:nvPr>
-        </p:nvSpPr>
-        <p:spPr/>
-        <p:txBody>
-          <a:bodyPr/>
-          <a:lstStyle/>
-          <a:p>
-            <a:pPr>
-              <a:defRPr/>
-            </a:pPr>
-            <a:fld id="{574C5FB6-BDB8-4712-A840-20AE1E03C817}" type="slidenum">
-              <a:rPr lang="pt-BR" smtClean="0"/>
-              <a:pPr>
-                <a:defRPr/>
-              </a:pPr>
-              <a:t>16</a:t>
             </a:fld>
             <a:endParaRPr lang="pt-BR"/>
           </a:p>
@@ -4951,7 +4826,7 @@
 </p:sld>
 </file>
 
-<file path=ppt/slides/slide17.xml><?xml version="1.0" encoding="utf-8"?>
+<file path=ppt/slides/slide16.xml><?xml version="1.0" encoding="utf-8"?>
 <p:sld xmlns:a="http://schemas.openxmlformats.org/drawingml/2006/main" xmlns:r="http://schemas.openxmlformats.org/officeDocument/2006/relationships" xmlns:p="http://schemas.openxmlformats.org/presentationml/2006/main">
   <p:cSld>
     <p:spTree>
@@ -5432,7 +5307,7 @@
           <p:cNvPr id="2" name="Espaço Reservado para Número de Slide 1">
             <a:extLst>
               <a:ext uri="{FF2B5EF4-FFF2-40B4-BE49-F238E27FC236}">
-                <a16:creationId xmlns:a16="http://schemas.microsoft.com/office/drawing/2014/main" xmlns="" id="{FB22D68E-5544-4C66-B676-1E7584CC2A01}"/>
+                <a16:creationId xmlns="" xmlns:a16="http://schemas.microsoft.com/office/drawing/2014/main" id="{FB22D68E-5544-4C66-B676-1E7584CC2A01}"/>
               </a:ext>
             </a:extLst>
           </p:cNvPr>
@@ -5607,15 +5482,7 @@
             </a:pPr>
             <a:r>
               <a:rPr lang="pt-BR" dirty="0" smtClean="0"/>
-              <a:t>Qualquer </a:t>
-            </a:r>
-            <a:r>
-              <a:rPr lang="pt-BR" dirty="0" smtClean="0"/>
-              <a:t>uma que possua dados</a:t>
-            </a:r>
-            <a:r>
-              <a:rPr lang="pt-BR" dirty="0" smtClean="0"/>
-              <a:t>!</a:t>
+              <a:t>Qualquer uma que possua dados!</a:t>
             </a:r>
           </a:p>
           <a:p>
@@ -5647,7 +5514,7 @@
           <p:cNvPr id="2" name="Espaço Reservado para Número de Slide 1">
             <a:extLst>
               <a:ext uri="{FF2B5EF4-FFF2-40B4-BE49-F238E27FC236}">
-                <a16:creationId xmlns:a16="http://schemas.microsoft.com/office/drawing/2014/main" xmlns="" id="{0779D6B0-3A91-4CDC-8DA2-60EC6E2E71B3}"/>
+                <a16:creationId xmlns="" xmlns:a16="http://schemas.microsoft.com/office/drawing/2014/main" id="{0779D6B0-3A91-4CDC-8DA2-60EC6E2E71B3}"/>
               </a:ext>
             </a:extLst>
           </p:cNvPr>
@@ -5841,7 +5708,6 @@
               <a:rPr lang="pt-BR" dirty="0" smtClean="0"/>
               <a:t>Ganhar tempo</a:t>
             </a:r>
-            <a:endParaRPr lang="pt-BR" dirty="0" smtClean="0"/>
           </a:p>
           <a:p>
             <a:pPr lvl="1"/>
@@ -5966,11 +5832,7 @@
           <a:p>
             <a:r>
               <a:rPr lang="pt-BR" dirty="0" smtClean="0"/>
-              <a:t>O que é </a:t>
-            </a:r>
-            <a:r>
-              <a:rPr lang="pt-BR" dirty="0" smtClean="0"/>
-              <a:t>RBC?</a:t>
+              <a:t>O que é RBC?</a:t>
             </a:r>
             <a:endParaRPr lang="pt-BR" dirty="0"/>
           </a:p>
@@ -6021,7 +5883,6 @@
               <a:rPr lang="pt-BR" dirty="0" smtClean="0"/>
               <a:t>Adaptar soluções</a:t>
             </a:r>
-            <a:endParaRPr lang="pt-BR" dirty="0" smtClean="0"/>
           </a:p>
           <a:p>
             <a:r>
@@ -6530,62 +6391,7 @@
           <a:bodyPr/>
           <a:lstStyle/>
           <a:p>
-            <a:r>
-              <a:rPr lang="pt-BR" dirty="0"/>
-              <a:t>A</a:t>
-            </a:r>
-            <a:r>
-              <a:rPr lang="pt-BR" dirty="0" smtClean="0"/>
-              <a:t>umento </a:t>
-            </a:r>
-            <a:r>
-              <a:rPr lang="pt-BR" dirty="0"/>
-              <a:t>de atividades maliciosas originadas por ações </a:t>
-            </a:r>
-            <a:r>
-              <a:rPr lang="pt-BR" dirty="0" smtClean="0"/>
-              <a:t>fraudulentas.</a:t>
-            </a:r>
-          </a:p>
-          <a:p>
-            <a:r>
-              <a:rPr lang="pt-BR" dirty="0" smtClean="0"/>
-              <a:t>Detecção precoce ou preditiva</a:t>
-            </a:r>
-          </a:p>
-          <a:p>
-            <a:r>
-              <a:rPr lang="pt-BR" dirty="0" err="1"/>
-              <a:t>phishing</a:t>
-            </a:r>
-            <a:r>
-              <a:rPr lang="pt-BR" dirty="0"/>
-              <a:t>, </a:t>
-            </a:r>
-            <a:r>
-              <a:rPr lang="pt-BR" dirty="0" err="1"/>
-              <a:t>cross</a:t>
-            </a:r>
-            <a:r>
-              <a:rPr lang="pt-BR" dirty="0"/>
-              <a:t>-site </a:t>
-            </a:r>
-            <a:r>
-              <a:rPr lang="pt-BR" dirty="0" err="1"/>
-              <a:t>scripting</a:t>
-            </a:r>
-            <a:r>
-              <a:rPr lang="pt-BR" dirty="0"/>
-              <a:t> </a:t>
-            </a:r>
-            <a:r>
-              <a:rPr lang="pt-BR" dirty="0" err="1"/>
-              <a:t>malware</a:t>
-            </a:r>
-            <a:r>
-              <a:rPr lang="pt-BR" dirty="0"/>
-              <a:t>, negação de serviço e detecção de intrusos</a:t>
-            </a:r>
+            <a:endParaRPr lang="pt-BR" dirty="0"/>
           </a:p>
         </p:txBody>
       </p:sp>

--- a/Seminário/Rascunho Douglas/Apresentação Raciocinio Baseado em Casos.pptx
+++ b/Seminário/Rascunho Douglas/Apresentação Raciocinio Baseado em Casos.pptx
@@ -3893,12 +3893,8 @@
           <a:lstStyle/>
           <a:p>
             <a:r>
-              <a:rPr lang="pt-BR" dirty="0" smtClean="0"/>
-              <a:t>Raciocínio baseado em casos</a:t>
-            </a:r>
-            <a:r>
-              <a:rPr lang="pt-BR" sz="8800" dirty="0"/>
-              <a:t/>
+              <a:rPr lang="pt-BR" dirty="0"/>
+              <a:t>Raciocínio Baseado em Casos</a:t>
             </a:r>
             <a:br>
               <a:rPr lang="pt-BR" sz="8800" dirty="0"/>
@@ -3931,7 +3927,6 @@
               <a:rPr lang="pt-BR" sz="2800" dirty="0"/>
               <a:t>Douglas Portugal de Oliveira </a:t>
             </a:r>
-            <a:endParaRPr lang="pt-BR" sz="2800" dirty="0" smtClean="0"/>
           </a:p>
           <a:p>
             <a:r>
@@ -3944,13 +3939,8 @@
             </a:r>
             <a:r>
               <a:rPr lang="pt-BR" sz="2800" dirty="0"/>
-              <a:t> de </a:t>
-            </a:r>
-            <a:r>
-              <a:rPr lang="pt-BR" sz="2800" dirty="0" smtClean="0"/>
-              <a:t>Oliveira</a:t>
-            </a:r>
-            <a:endParaRPr lang="pt-BR" sz="2800" dirty="0"/>
+              <a:t> de Oliveira</a:t>
+            </a:r>
           </a:p>
           <a:p>
             <a:r>
@@ -3961,7 +3951,7 @@
               <a:rPr lang="pt-BR" sz="2800" dirty="0" err="1"/>
               <a:t>Tietjen</a:t>
             </a:r>
-            <a:endParaRPr lang="pt-BR" sz="2800" dirty="0" smtClean="0"/>
+            <a:endParaRPr lang="pt-BR" sz="2800" dirty="0"/>
           </a:p>
         </p:txBody>
       </p:sp>
@@ -3975,13 +3965,6 @@
   <p:clrMapOvr>
     <a:masterClrMapping/>
   </p:clrMapOvr>
-  <p:timing>
-    <p:tnLst>
-      <p:par>
-        <p:cTn id="1" dur="indefinite" restart="never" nodeType="tmRoot"/>
-      </p:par>
-    </p:tnLst>
-  </p:timing>
 </p:sld>
 </file>
 
@@ -4040,10 +4023,9 @@
               <a:buNone/>
             </a:pPr>
             <a:r>
-              <a:rPr lang="pt-BR" sz="9600" dirty="0" smtClean="0"/>
+              <a:rPr lang="pt-BR" sz="9600" dirty="0"/>
               <a:t> Vale a pena?</a:t>
             </a:r>
-            <a:endParaRPr lang="pt-BR" sz="9600" dirty="0"/>
           </a:p>
         </p:txBody>
       </p:sp>
@@ -4144,10 +4126,9 @@
               <a:buNone/>
             </a:pPr>
             <a:r>
-              <a:rPr lang="pt-BR" sz="23900" dirty="0" smtClean="0"/>
+              <a:rPr lang="pt-BR" sz="23900" dirty="0"/>
               <a:t> Sim!</a:t>
             </a:r>
-            <a:endParaRPr lang="pt-BR" sz="23900" dirty="0"/>
           </a:p>
         </p:txBody>
       </p:sp>
@@ -4231,12 +4212,8 @@
           <a:lstStyle/>
           <a:p>
             <a:r>
-              <a:rPr lang="pt-BR" dirty="0" smtClean="0"/>
+              <a:rPr lang="pt-BR" dirty="0"/>
               <a:t>Estado da arte</a:t>
-            </a:r>
-            <a:r>
-              <a:rPr lang="pt-BR" dirty="0"/>
-              <a:t/>
             </a:r>
             <a:br>
               <a:rPr lang="pt-BR" dirty="0"/>
@@ -4351,10 +4328,9 @@
           <a:lstStyle/>
           <a:p>
             <a:r>
-              <a:rPr lang="pt-BR" dirty="0" smtClean="0"/>
+              <a:rPr lang="pt-BR" dirty="0"/>
               <a:t>Dificuldades</a:t>
             </a:r>
-            <a:endParaRPr lang="pt-BR" dirty="0"/>
           </a:p>
         </p:txBody>
       </p:sp>
@@ -4458,10 +4434,9 @@
           <a:lstStyle/>
           <a:p>
             <a:r>
-              <a:rPr lang="pt-BR" dirty="0" smtClean="0"/>
+              <a:rPr lang="pt-BR" dirty="0"/>
               <a:t>Conclusão</a:t>
             </a:r>
-            <a:endParaRPr lang="pt-BR" dirty="0"/>
           </a:p>
         </p:txBody>
       </p:sp>
@@ -4482,52 +4457,51 @@
           <a:p>
             <a:pPr algn="just"/>
             <a:r>
-              <a:rPr lang="pt-BR" dirty="0" smtClean="0"/>
+              <a:rPr lang="pt-BR" dirty="0"/>
               <a:t>Aplicável em varias áreas</a:t>
             </a:r>
           </a:p>
           <a:p>
             <a:pPr algn="just"/>
             <a:r>
-              <a:rPr lang="pt-BR" dirty="0" smtClean="0"/>
+              <a:rPr lang="pt-BR" dirty="0"/>
               <a:t>Reduz tempo de tratativa</a:t>
             </a:r>
           </a:p>
           <a:p>
             <a:pPr algn="just"/>
             <a:r>
-              <a:rPr lang="pt-BR" dirty="0" smtClean="0"/>
+              <a:rPr lang="pt-BR" dirty="0"/>
               <a:t>Reduz a complexidade </a:t>
             </a:r>
           </a:p>
           <a:p>
             <a:pPr algn="just"/>
             <a:r>
-              <a:rPr lang="pt-BR" dirty="0" smtClean="0"/>
+              <a:rPr lang="pt-BR" dirty="0"/>
               <a:t>Eleva a assertividade </a:t>
             </a:r>
           </a:p>
           <a:p>
             <a:pPr algn="just"/>
             <a:r>
-              <a:rPr lang="pt-BR" dirty="0" smtClean="0"/>
+              <a:rPr lang="pt-BR" dirty="0"/>
               <a:t>Possibilita automação</a:t>
             </a:r>
           </a:p>
           <a:p>
             <a:pPr algn="just"/>
             <a:r>
-              <a:rPr lang="pt-BR" dirty="0" smtClean="0"/>
+              <a:rPr lang="pt-BR" dirty="0"/>
               <a:t>Vantagens sob sistemas especialistas</a:t>
             </a:r>
           </a:p>
           <a:p>
             <a:pPr algn="just"/>
             <a:r>
-              <a:rPr lang="pt-BR" dirty="0" smtClean="0"/>
+              <a:rPr lang="pt-BR" dirty="0"/>
               <a:t>Quanto mais usado, mais capacitado</a:t>
             </a:r>
-            <a:endParaRPr lang="pt-BR" dirty="0" smtClean="0"/>
           </a:p>
         </p:txBody>
       </p:sp>
@@ -4606,10 +4580,9 @@
           <a:lstStyle/>
           <a:p>
             <a:r>
-              <a:rPr lang="pt-BR" dirty="0" smtClean="0"/>
+              <a:rPr lang="pt-BR" dirty="0"/>
               <a:t>Duvidas?</a:t>
             </a:r>
-            <a:endParaRPr lang="pt-BR" dirty="0"/>
           </a:p>
         </p:txBody>
       </p:sp>
@@ -4864,12 +4837,8 @@
           <a:lstStyle/>
           <a:p>
             <a:r>
-              <a:rPr lang="pt-BR" dirty="0" smtClean="0"/>
+              <a:rPr lang="pt-BR" dirty="0"/>
               <a:t>Raciocínio baseado em casos</a:t>
-            </a:r>
-            <a:r>
-              <a:rPr lang="pt-BR" sz="8800" dirty="0"/>
-              <a:t/>
             </a:r>
             <a:br>
               <a:rPr lang="pt-BR" sz="8800" dirty="0"/>
@@ -4902,7 +4871,6 @@
               <a:rPr lang="pt-BR" sz="2800" dirty="0"/>
               <a:t>Douglas Portugal de Oliveira </a:t>
             </a:r>
-            <a:endParaRPr lang="pt-BR" sz="2800" dirty="0" smtClean="0"/>
           </a:p>
           <a:p>
             <a:r>
@@ -4915,13 +4883,8 @@
             </a:r>
             <a:r>
               <a:rPr lang="pt-BR" sz="2800" dirty="0"/>
-              <a:t> de </a:t>
-            </a:r>
-            <a:r>
-              <a:rPr lang="pt-BR" sz="2800" dirty="0" smtClean="0"/>
-              <a:t>Oliveira</a:t>
-            </a:r>
-            <a:endParaRPr lang="pt-BR" sz="2800" dirty="0"/>
+              <a:t> de Oliveira</a:t>
+            </a:r>
           </a:p>
           <a:p>
             <a:r>
@@ -4932,7 +4895,7 @@
               <a:rPr lang="pt-BR" sz="2800" dirty="0" err="1"/>
               <a:t>Tietjen</a:t>
             </a:r>
-            <a:endParaRPr lang="pt-BR" sz="2800" dirty="0" smtClean="0"/>
+            <a:endParaRPr lang="pt-BR" sz="2800" dirty="0"/>
           </a:p>
         </p:txBody>
       </p:sp>
@@ -4946,13 +4909,6 @@
   <p:clrMapOvr>
     <a:masterClrMapping/>
   </p:clrMapOvr>
-  <p:timing>
-    <p:tnLst>
-      <p:par>
-        <p:cTn id="1" dur="indefinite" restart="never" nodeType="tmRoot"/>
-      </p:par>
-    </p:tnLst>
-  </p:timing>
 </p:sld>
 </file>
 
@@ -4994,10 +4950,9 @@
           <a:lstStyle/>
           <a:p>
             <a:r>
-              <a:rPr lang="pt-BR" dirty="0" smtClean="0"/>
+              <a:rPr lang="pt-BR" dirty="0"/>
               <a:t>Conhecimento sobre RBC</a:t>
             </a:r>
-            <a:endParaRPr lang="pt-BR" dirty="0"/>
           </a:p>
         </p:txBody>
       </p:sp>
@@ -5249,47 +5204,41 @@
             <a:pPr lvl="0"/>
             <a:r>
               <a:rPr lang="pt-BR" dirty="0"/>
-              <a:t>Crescimento </a:t>
-            </a:r>
-            <a:r>
-              <a:rPr lang="pt-BR" dirty="0" smtClean="0"/>
-              <a:t>exponencial na tomada de decisões</a:t>
-            </a:r>
-            <a:endParaRPr lang="pt-BR" dirty="0"/>
+              <a:t>Crescimento exponencial na tomada de decisões</a:t>
+            </a:r>
           </a:p>
           <a:p>
             <a:pPr lvl="1"/>
             <a:r>
-              <a:rPr lang="pt-BR" dirty="0" smtClean="0"/>
+              <a:rPr lang="pt-BR" dirty="0"/>
               <a:t>Ambientes complexos e dinâmicos</a:t>
             </a:r>
           </a:p>
           <a:p>
             <a:pPr lvl="1"/>
             <a:r>
-              <a:rPr lang="pt-BR" dirty="0" smtClean="0"/>
+              <a:rPr lang="pt-BR" dirty="0"/>
               <a:t>Necessidade de agilidade</a:t>
             </a:r>
-            <a:endParaRPr lang="pt-BR" dirty="0"/>
           </a:p>
           <a:p>
             <a:pPr lvl="1"/>
             <a:r>
-              <a:rPr lang="pt-BR" dirty="0" smtClean="0"/>
+              <a:rPr lang="pt-BR" dirty="0"/>
               <a:t>Os mais rápidos ganhando espaço no gap dos mais lentos</a:t>
             </a:r>
           </a:p>
           <a:p>
             <a:pPr lvl="1"/>
             <a:r>
-              <a:rPr lang="pt-BR" dirty="0" smtClean="0"/>
+              <a:rPr lang="pt-BR" dirty="0"/>
               <a:t>Automação</a:t>
             </a:r>
           </a:p>
           <a:p>
             <a:pPr lvl="1"/>
             <a:r>
-              <a:rPr lang="pt-BR" dirty="0" smtClean="0"/>
+              <a:rPr lang="pt-BR" dirty="0"/>
               <a:t>Ganho de assertividade</a:t>
             </a:r>
           </a:p>
@@ -5307,7 +5256,7 @@
           <p:cNvPr id="2" name="Espaço Reservado para Número de Slide 1">
             <a:extLst>
               <a:ext uri="{FF2B5EF4-FFF2-40B4-BE49-F238E27FC236}">
-                <a16:creationId xmlns="" xmlns:a16="http://schemas.microsoft.com/office/drawing/2014/main" id="{FB22D68E-5544-4C66-B676-1E7584CC2A01}"/>
+                <a16:creationId xmlns:a16="http://schemas.microsoft.com/office/drawing/2014/main" id="{FB22D68E-5544-4C66-B676-1E7584CC2A01}"/>
               </a:ext>
             </a:extLst>
           </p:cNvPr>
@@ -5357,20 +5306,12 @@
           <a:bodyPr/>
           <a:lstStyle/>
           <a:p>
-            <a:r>
-              <a:rPr lang="pt-BR" dirty="0" smtClean="0"/>
-              <a:t/>
-            </a:r>
             <a:br>
-              <a:rPr lang="pt-BR" dirty="0" smtClean="0"/>
+              <a:rPr lang="pt-BR" dirty="0"/>
             </a:br>
             <a:r>
-              <a:rPr lang="pt-BR" dirty="0" smtClean="0"/>
+              <a:rPr lang="pt-BR" dirty="0"/>
               <a:t>Dados de mercado</a:t>
-            </a:r>
-            <a:r>
-              <a:rPr lang="pt-BR" dirty="0"/>
-              <a:t/>
             </a:r>
             <a:br>
               <a:rPr lang="pt-BR" dirty="0"/>
@@ -5389,13 +5330,6 @@
   <p:clrMapOvr>
     <a:masterClrMapping/>
   </p:clrMapOvr>
-  <p:timing>
-    <p:tnLst>
-      <p:par>
-        <p:cTn id="1" dur="indefinite" restart="never" nodeType="tmRoot"/>
-      </p:par>
-    </p:tnLst>
-  </p:timing>
 </p:sld>
 </file>
 
@@ -5433,12 +5367,8 @@
           <a:p>
             <a:pPr lvl="0"/>
             <a:r>
-              <a:rPr lang="pt-BR" dirty="0" smtClean="0"/>
-              <a:t>Áreas </a:t>
-            </a:r>
-            <a:r>
               <a:rPr lang="pt-BR" dirty="0"/>
-              <a:t>beneficiadas</a:t>
+              <a:t>Áreas beneficiadas</a:t>
             </a:r>
           </a:p>
           <a:p>
@@ -5465,14 +5395,14 @@
           <a:p>
             <a:pPr lvl="1"/>
             <a:r>
-              <a:rPr lang="pt-BR" dirty="0" smtClean="0"/>
+              <a:rPr lang="pt-BR" dirty="0"/>
               <a:t>Marketing</a:t>
             </a:r>
           </a:p>
           <a:p>
             <a:pPr lvl="1"/>
             <a:r>
-              <a:rPr lang="pt-BR" dirty="0" smtClean="0"/>
+              <a:rPr lang="pt-BR" dirty="0"/>
               <a:t>...</a:t>
             </a:r>
           </a:p>
@@ -5481,7 +5411,7 @@
               <a:buNone/>
             </a:pPr>
             <a:r>
-              <a:rPr lang="pt-BR" dirty="0" smtClean="0"/>
+              <a:rPr lang="pt-BR" dirty="0"/>
               <a:t>Qualquer uma que possua dados!</a:t>
             </a:r>
           </a:p>
@@ -5489,17 +5419,16 @@
             <a:pPr marL="457200" lvl="1" indent="0">
               <a:buNone/>
             </a:pPr>
-            <a:endParaRPr lang="pt-BR" dirty="0" smtClean="0"/>
+            <a:endParaRPr lang="pt-BR" dirty="0"/>
           </a:p>
           <a:p>
             <a:pPr marL="457200" lvl="1" indent="0">
               <a:buNone/>
             </a:pPr>
             <a:r>
-              <a:rPr lang="pt-BR" dirty="0" smtClean="0"/>
+              <a:rPr lang="pt-BR" dirty="0"/>
               <a:t>*Dado &lt; Informação &lt; conhecimento</a:t>
             </a:r>
-            <a:endParaRPr lang="pt-BR" dirty="0"/>
           </a:p>
           <a:p>
             <a:pPr marL="0" indent="0">
@@ -5514,7 +5443,7 @@
           <p:cNvPr id="2" name="Espaço Reservado para Número de Slide 1">
             <a:extLst>
               <a:ext uri="{FF2B5EF4-FFF2-40B4-BE49-F238E27FC236}">
-                <a16:creationId xmlns="" xmlns:a16="http://schemas.microsoft.com/office/drawing/2014/main" id="{0779D6B0-3A91-4CDC-8DA2-60EC6E2E71B3}"/>
+                <a16:creationId xmlns:a16="http://schemas.microsoft.com/office/drawing/2014/main" id="{0779D6B0-3A91-4CDC-8DA2-60EC6E2E71B3}"/>
               </a:ext>
             </a:extLst>
           </p:cNvPr>
@@ -5564,20 +5493,12 @@
           <a:bodyPr/>
           <a:lstStyle/>
           <a:p>
-            <a:r>
-              <a:rPr lang="pt-BR" dirty="0" smtClean="0"/>
-              <a:t/>
-            </a:r>
             <a:br>
-              <a:rPr lang="pt-BR" dirty="0" smtClean="0"/>
+              <a:rPr lang="pt-BR" dirty="0"/>
             </a:br>
             <a:r>
-              <a:rPr lang="pt-BR" dirty="0" smtClean="0"/>
+              <a:rPr lang="pt-BR" dirty="0"/>
               <a:t>Só áreas de tecnologia?</a:t>
-            </a:r>
-            <a:r>
-              <a:rPr lang="pt-BR" dirty="0"/>
-              <a:t/>
             </a:r>
             <a:br>
               <a:rPr lang="pt-BR" dirty="0"/>
@@ -5596,13 +5517,6 @@
   <p:clrMapOvr>
     <a:masterClrMapping/>
   </p:clrMapOvr>
-  <p:timing>
-    <p:tnLst>
-      <p:par>
-        <p:cTn id="1" dur="indefinite" restart="never" nodeType="tmRoot"/>
-      </p:par>
-    </p:tnLst>
-  </p:timing>
 </p:sld>
 </file>
 
@@ -5643,28 +5557,12 @@
           <a:bodyPr/>
           <a:lstStyle/>
           <a:p>
-            <a:r>
-              <a:rPr lang="pt-BR" dirty="0" smtClean="0"/>
-              <a:t/>
-            </a:r>
             <a:br>
-              <a:rPr lang="pt-BR" dirty="0" smtClean="0"/>
+              <a:rPr lang="pt-BR" dirty="0"/>
             </a:br>
             <a:r>
-              <a:rPr lang="pt-BR" dirty="0" smtClean="0"/>
-              <a:t>Qual </a:t>
-            </a:r>
-            <a:r>
               <a:rPr lang="pt-BR" dirty="0"/>
-              <a:t>é a </a:t>
-            </a:r>
-            <a:r>
-              <a:rPr lang="pt-BR" dirty="0" smtClean="0"/>
-              <a:t>ideia de RBC?</a:t>
-            </a:r>
-            <a:r>
-              <a:rPr lang="pt-BR" dirty="0"/>
-              <a:t/>
+              <a:t>Qual é a ideia de RBC?</a:t>
             </a:r>
             <a:br>
               <a:rPr lang="pt-BR" dirty="0"/>
@@ -5690,53 +5588,51 @@
           <a:p>
             <a:pPr lvl="1"/>
             <a:r>
-              <a:rPr lang="pt-BR" dirty="0" smtClean="0"/>
+              <a:rPr lang="pt-BR" dirty="0"/>
               <a:t>Auxiliar em Problemas de grande complexidade</a:t>
             </a:r>
-            <a:endParaRPr lang="pt-BR" dirty="0"/>
           </a:p>
           <a:p>
             <a:pPr lvl="1"/>
             <a:r>
-              <a:rPr lang="pt-BR" dirty="0" smtClean="0"/>
+              <a:rPr lang="pt-BR" dirty="0"/>
               <a:t>Automatizar atividades logicas repetitivas</a:t>
             </a:r>
           </a:p>
           <a:p>
             <a:pPr lvl="1"/>
             <a:r>
-              <a:rPr lang="pt-BR" dirty="0" smtClean="0"/>
+              <a:rPr lang="pt-BR" dirty="0"/>
               <a:t>Ganhar tempo</a:t>
             </a:r>
           </a:p>
           <a:p>
             <a:pPr lvl="1"/>
             <a:r>
-              <a:rPr lang="pt-BR" dirty="0" smtClean="0"/>
+              <a:rPr lang="pt-BR" dirty="0"/>
               <a:t>Gerar impacto positivo nos níveis:</a:t>
             </a:r>
           </a:p>
           <a:p>
             <a:pPr lvl="2"/>
             <a:r>
-              <a:rPr lang="pt-BR" dirty="0" smtClean="0"/>
+              <a:rPr lang="pt-BR" dirty="0"/>
               <a:t>Operacional</a:t>
             </a:r>
           </a:p>
           <a:p>
             <a:pPr lvl="2"/>
             <a:r>
-              <a:rPr lang="pt-BR" dirty="0" smtClean="0"/>
+              <a:rPr lang="pt-BR" dirty="0"/>
               <a:t>Gerencial</a:t>
             </a:r>
           </a:p>
           <a:p>
             <a:pPr lvl="2"/>
             <a:r>
-              <a:rPr lang="pt-BR" dirty="0" smtClean="0"/>
+              <a:rPr lang="pt-BR" dirty="0"/>
               <a:t>Estratégico </a:t>
             </a:r>
-            <a:endParaRPr lang="pt-BR" dirty="0"/>
           </a:p>
           <a:p>
             <a:pPr marL="0" indent="0">
@@ -5788,13 +5684,6 @@
   <p:clrMapOvr>
     <a:masterClrMapping/>
   </p:clrMapOvr>
-  <p:timing>
-    <p:tnLst>
-      <p:par>
-        <p:cTn id="1" dur="indefinite" restart="never" nodeType="tmRoot"/>
-      </p:par>
-    </p:tnLst>
-  </p:timing>
 </p:sld>
 </file>
 
@@ -5831,10 +5720,9 @@
           <a:lstStyle/>
           <a:p>
             <a:r>
-              <a:rPr lang="pt-BR" dirty="0" smtClean="0"/>
+              <a:rPr lang="pt-BR" dirty="0"/>
               <a:t>O que é RBC?</a:t>
             </a:r>
-            <a:endParaRPr lang="pt-BR" dirty="0"/>
           </a:p>
         </p:txBody>
       </p:sp>
@@ -5854,48 +5742,39 @@
           <a:lstStyle/>
           <a:p>
             <a:r>
-              <a:rPr lang="pt-BR" dirty="0" smtClean="0"/>
-              <a:t>Uma área </a:t>
-            </a:r>
-            <a:r>
               <a:rPr lang="pt-BR" dirty="0"/>
-              <a:t>da Inteligência Artificial (IA</a:t>
-            </a:r>
-            <a:r>
-              <a:rPr lang="pt-BR" dirty="0" smtClean="0"/>
-              <a:t>)</a:t>
-            </a:r>
-          </a:p>
-          <a:p>
-            <a:r>
-              <a:rPr lang="pt-BR" dirty="0" smtClean="0"/>
+              <a:t>Uma área da Inteligência Artificial (IA)</a:t>
+            </a:r>
+          </a:p>
+          <a:p>
+            <a:r>
+              <a:rPr lang="pt-BR" dirty="0"/>
               <a:t>Pensar logicamente como pessoas</a:t>
             </a:r>
           </a:p>
           <a:p>
             <a:r>
-              <a:rPr lang="pt-BR" dirty="0" smtClean="0"/>
+              <a:rPr lang="pt-BR" dirty="0"/>
               <a:t>Encontrar similaridade</a:t>
             </a:r>
           </a:p>
           <a:p>
             <a:r>
-              <a:rPr lang="pt-BR" dirty="0" smtClean="0"/>
+              <a:rPr lang="pt-BR" dirty="0"/>
               <a:t>Adaptar soluções</a:t>
             </a:r>
           </a:p>
           <a:p>
             <a:r>
-              <a:rPr lang="pt-BR" dirty="0" smtClean="0"/>
+              <a:rPr lang="pt-BR" dirty="0"/>
               <a:t>Base de experiências passadas</a:t>
             </a:r>
           </a:p>
           <a:p>
             <a:r>
-              <a:rPr lang="pt-BR" dirty="0" smtClean="0"/>
+              <a:rPr lang="pt-BR" dirty="0"/>
               <a:t>Aprender a cada “caso” bem sucedido</a:t>
             </a:r>
-            <a:endParaRPr lang="pt-BR" dirty="0"/>
           </a:p>
         </p:txBody>
       </p:sp>
@@ -5938,13 +5817,6 @@
   <p:clrMapOvr>
     <a:masterClrMapping/>
   </p:clrMapOvr>
-  <p:timing>
-    <p:tnLst>
-      <p:par>
-        <p:cTn id="1" dur="indefinite" restart="never" nodeType="tmRoot"/>
-      </p:par>
-    </p:tnLst>
-  </p:timing>
 </p:sld>
 </file>
 
@@ -5981,10 +5853,9 @@
           <a:lstStyle/>
           <a:p>
             <a:r>
-              <a:rPr lang="pt-BR" dirty="0" smtClean="0"/>
+              <a:rPr lang="pt-BR" dirty="0"/>
               <a:t>Como funciona RBC.</a:t>
             </a:r>
-            <a:endParaRPr lang="pt-BR" dirty="0"/>
           </a:p>
         </p:txBody>
       </p:sp>
@@ -6131,10 +6002,9 @@
           <a:lstStyle/>
           <a:p>
             <a:r>
-              <a:rPr lang="pt-BR" dirty="0" smtClean="0"/>
+              <a:rPr lang="pt-BR" dirty="0"/>
               <a:t>Base de casos</a:t>
             </a:r>
-            <a:endParaRPr lang="pt-BR" dirty="0"/>
           </a:p>
         </p:txBody>
       </p:sp>
@@ -6148,13 +6018,6 @@
   <p:clrMapOvr>
     <a:masterClrMapping/>
   </p:clrMapOvr>
-  <p:timing>
-    <p:tnLst>
-      <p:par>
-        <p:cTn id="1" dur="indefinite" restart="never" nodeType="tmRoot"/>
-      </p:par>
-    </p:tnLst>
-  </p:timing>
 </p:sld>
 </file>
 
@@ -6321,13 +6184,6 @@
   <p:clrMapOvr>
     <a:masterClrMapping/>
   </p:clrMapOvr>
-  <p:timing>
-    <p:tnLst>
-      <p:par>
-        <p:cTn id="1" dur="indefinite" restart="never" nodeType="tmRoot"/>
-      </p:par>
-    </p:tnLst>
-  </p:timing>
 </p:sld>
 </file>
 
@@ -6369,10 +6225,9 @@
           <a:lstStyle/>
           <a:p>
             <a:r>
-              <a:rPr lang="pt-BR" dirty="0" smtClean="0"/>
+              <a:rPr lang="pt-BR" dirty="0"/>
               <a:t>O que é viável e inviável</a:t>
             </a:r>
-            <a:endParaRPr lang="pt-BR" dirty="0"/>
           </a:p>
         </p:txBody>
       </p:sp>
@@ -6434,13 +6289,6 @@
   <p:clrMapOvr>
     <a:masterClrMapping/>
   </p:clrMapOvr>
-  <p:timing>
-    <p:tnLst>
-      <p:par>
-        <p:cTn id="1" dur="indefinite" restart="never" nodeType="tmRoot"/>
-      </p:par>
-    </p:tnLst>
-  </p:timing>
 </p:sld>
 </file>
 

--- a/Seminário/Rascunho Douglas/Apresentação Raciocinio Baseado em Casos.pptx
+++ b/Seminário/Rascunho Douglas/Apresentação Raciocinio Baseado em Casos.pptx
@@ -5,7 +5,7 @@
     <p:sldMasterId id="2147483648" r:id="rId1"/>
   </p:sldMasterIdLst>
   <p:notesMasterIdLst>
-    <p:notesMasterId r:id="rId18"/>
+    <p:notesMasterId r:id="rId19"/>
   </p:notesMasterIdLst>
   <p:sldIdLst>
     <p:sldId id="279" r:id="rId2"/>
@@ -19,11 +19,12 @@
     <p:sldId id="298" r:id="rId10"/>
     <p:sldId id="303" r:id="rId11"/>
     <p:sldId id="304" r:id="rId12"/>
-    <p:sldId id="299" r:id="rId13"/>
-    <p:sldId id="300" r:id="rId14"/>
-    <p:sldId id="301" r:id="rId15"/>
-    <p:sldId id="307" r:id="rId16"/>
-    <p:sldId id="308" r:id="rId17"/>
+    <p:sldId id="310" r:id="rId13"/>
+    <p:sldId id="299" r:id="rId14"/>
+    <p:sldId id="300" r:id="rId15"/>
+    <p:sldId id="301" r:id="rId16"/>
+    <p:sldId id="307" r:id="rId17"/>
+    <p:sldId id="308" r:id="rId18"/>
   </p:sldIdLst>
   <p:sldSz cx="9144000" cy="6858000" type="screen4x3"/>
   <p:notesSz cx="6858000" cy="9144000"/>
@@ -3896,6 +3897,10 @@
               <a:rPr lang="pt-BR" dirty="0"/>
               <a:t>Raciocínio Baseado em Casos</a:t>
             </a:r>
+            <a:r>
+              <a:rPr lang="pt-BR" sz="8800" dirty="0"/>
+              <a:t/>
+            </a:r>
             <a:br>
               <a:rPr lang="pt-BR" sz="8800" dirty="0"/>
             </a:br>
@@ -4203,8 +4208,8 @@
         </p:nvSpPr>
         <p:spPr>
           <a:xfrm>
-            <a:off x="457200" y="274638"/>
-            <a:ext cx="8229600" cy="1379116"/>
+            <a:off x="971600" y="188640"/>
+            <a:ext cx="8229600" cy="1143000"/>
           </a:xfrm>
         </p:spPr>
         <p:txBody>
@@ -4213,41 +4218,44 @@
           <a:p>
             <a:r>
               <a:rPr lang="pt-BR" dirty="0"/>
-              <a:t>Estado da arte</a:t>
-            </a:r>
-            <a:br>
-              <a:rPr lang="pt-BR" dirty="0"/>
-            </a:br>
+              <a:t>O que é viável e inviável</a:t>
+            </a:r>
+          </a:p>
+        </p:txBody>
+      </p:sp>
+      <p:sp>
+        <p:nvSpPr>
+          <p:cNvPr id="3" name="Espaço Reservado para Conteúdo 2"/>
+          <p:cNvSpPr>
+            <a:spLocks noGrp="1"/>
+          </p:cNvSpPr>
+          <p:nvPr>
+            <p:ph idx="1"/>
+          </p:nvPr>
+        </p:nvSpPr>
+        <p:spPr/>
+        <p:txBody>
+          <a:bodyPr/>
+          <a:lstStyle/>
+          <a:p>
+            <a:pPr lvl="1"/>
+            <a:r>
+              <a:rPr lang="pt-BR" dirty="0" smtClean="0"/>
+              <a:t>Viável</a:t>
+            </a:r>
+            <a:endParaRPr lang="pt-BR" dirty="0" smtClean="0"/>
+          </a:p>
+          <a:p>
+            <a:r>
+              <a:rPr lang="pt-BR" dirty="0" smtClean="0"/>
+              <a:t>RBC oferece varias vantagens a problemas com restrições</a:t>
+            </a:r>
+          </a:p>
+          <a:p>
             <a:endParaRPr lang="pt-BR" dirty="0"/>
           </a:p>
         </p:txBody>
       </p:sp>
-      <p:pic>
-        <p:nvPicPr>
-          <p:cNvPr id="5" name="Espaço Reservado para Conteúdo 4"/>
-          <p:cNvPicPr>
-            <a:picLocks noGrp="1" noChangeAspect="1"/>
-          </p:cNvPicPr>
-          <p:nvPr>
-            <p:ph idx="1"/>
-          </p:nvPr>
-        </p:nvPicPr>
-        <p:blipFill>
-          <a:blip r:embed="rId2"/>
-          <a:stretch>
-            <a:fillRect/>
-          </a:stretch>
-        </p:blipFill>
-        <p:spPr>
-          <a:xfrm>
-            <a:off x="1115616" y="2060848"/>
-            <a:ext cx="7111102" cy="2972420"/>
-          </a:xfrm>
-          <a:prstGeom prst="rect">
-            <a:avLst/>
-          </a:prstGeom>
-        </p:spPr>
-      </p:pic>
       <p:sp>
         <p:nvSpPr>
           <p:cNvPr id="4" name="Espaço Reservado para Número de Slide 3"/>
@@ -4280,7 +4288,7 @@
     </p:spTree>
     <p:extLst>
       <p:ext uri="{BB962C8B-B14F-4D97-AF65-F5344CB8AC3E}">
-        <p14:creationId xmlns:p14="http://schemas.microsoft.com/office/powerpoint/2010/main" val="2630598940"/>
+        <p14:creationId xmlns:p14="http://schemas.microsoft.com/office/powerpoint/2010/main" val="1080322560"/>
       </p:ext>
     </p:extLst>
   </p:cSld>
@@ -4320,7 +4328,7 @@
         <p:spPr>
           <a:xfrm>
             <a:off x="457200" y="274638"/>
-            <a:ext cx="8229600" cy="1451124"/>
+            <a:ext cx="8229600" cy="1379116"/>
           </a:xfrm>
         </p:spPr>
         <p:txBody>
@@ -4329,36 +4337,41 @@
           <a:p>
             <a:r>
               <a:rPr lang="pt-BR" dirty="0"/>
-              <a:t>Dificuldades</a:t>
-            </a:r>
-          </a:p>
-        </p:txBody>
-      </p:sp>
-      <p:sp>
-        <p:nvSpPr>
-          <p:cNvPr id="3" name="Espaço Reservado para Conteúdo 2"/>
-          <p:cNvSpPr>
-            <a:spLocks noGrp="1"/>
-          </p:cNvSpPr>
+              <a:t>Estado da arte</a:t>
+            </a:r>
+            <a:br>
+              <a:rPr lang="pt-BR" dirty="0"/>
+            </a:br>
+            <a:endParaRPr lang="pt-BR" dirty="0"/>
+          </a:p>
+        </p:txBody>
+      </p:sp>
+      <p:pic>
+        <p:nvPicPr>
+          <p:cNvPr id="5" name="Espaço Reservado para Conteúdo 4"/>
+          <p:cNvPicPr>
+            <a:picLocks noGrp="1" noChangeAspect="1"/>
+          </p:cNvPicPr>
           <p:nvPr>
             <p:ph idx="1"/>
           </p:nvPr>
-        </p:nvSpPr>
+        </p:nvPicPr>
+        <p:blipFill>
+          <a:blip r:embed="rId2"/>
+          <a:stretch>
+            <a:fillRect/>
+          </a:stretch>
+        </p:blipFill>
         <p:spPr>
           <a:xfrm>
-            <a:off x="457200" y="1844824"/>
-            <a:ext cx="8229600" cy="4281339"/>
+            <a:off x="1115616" y="2060848"/>
+            <a:ext cx="7111102" cy="2972420"/>
           </a:xfrm>
-        </p:spPr>
-        <p:txBody>
-          <a:bodyPr/>
-          <a:lstStyle/>
-          <a:p>
-            <a:pPr algn="just"/>
-            <a:endParaRPr lang="pt-BR" dirty="0"/>
-          </a:p>
-        </p:txBody>
-      </p:sp>
+          <a:prstGeom prst="rect">
+            <a:avLst/>
+          </a:prstGeom>
+        </p:spPr>
+      </p:pic>
       <p:sp>
         <p:nvSpPr>
           <p:cNvPr id="4" name="Espaço Reservado para Número de Slide 3"/>
@@ -4391,7 +4404,7 @@
     </p:spTree>
     <p:extLst>
       <p:ext uri="{BB962C8B-B14F-4D97-AF65-F5344CB8AC3E}">
-        <p14:creationId xmlns:p14="http://schemas.microsoft.com/office/powerpoint/2010/main" val="399467878"/>
+        <p14:creationId xmlns:p14="http://schemas.microsoft.com/office/powerpoint/2010/main" val="2630598940"/>
       </p:ext>
     </p:extLst>
   </p:cSld>
@@ -4428,14 +4441,19 @@
             <p:ph type="title"/>
           </p:nvPr>
         </p:nvSpPr>
-        <p:spPr/>
+        <p:spPr>
+          <a:xfrm>
+            <a:off x="457200" y="274638"/>
+            <a:ext cx="8229600" cy="1451124"/>
+          </a:xfrm>
+        </p:spPr>
         <p:txBody>
           <a:bodyPr/>
           <a:lstStyle/>
           <a:p>
             <a:r>
               <a:rPr lang="pt-BR" dirty="0"/>
-              <a:t>Conclusão</a:t>
+              <a:t>Dificuldades</a:t>
             </a:r>
           </a:p>
         </p:txBody>
@@ -4450,58 +4468,53 @@
             <p:ph idx="1"/>
           </p:nvPr>
         </p:nvSpPr>
-        <p:spPr/>
+        <p:spPr>
+          <a:xfrm>
+            <a:off x="457200" y="1844824"/>
+            <a:ext cx="8229600" cy="4281339"/>
+          </a:xfrm>
+        </p:spPr>
         <p:txBody>
           <a:bodyPr/>
           <a:lstStyle/>
           <a:p>
             <a:pPr algn="just"/>
             <a:r>
-              <a:rPr lang="pt-BR" dirty="0"/>
-              <a:t>Aplicável em varias áreas</a:t>
+              <a:rPr lang="pt-BR" dirty="0" smtClean="0"/>
+              <a:t>Inovação em RBC</a:t>
             </a:r>
           </a:p>
           <a:p>
             <a:pPr algn="just"/>
             <a:r>
-              <a:rPr lang="pt-BR" dirty="0"/>
-              <a:t>Reduz tempo de tratativa</a:t>
+              <a:rPr lang="pt-BR" dirty="0" smtClean="0"/>
+              <a:t>Invernos de IA</a:t>
             </a:r>
           </a:p>
           <a:p>
             <a:pPr algn="just"/>
             <a:r>
-              <a:rPr lang="pt-BR" dirty="0"/>
-              <a:t>Reduz a complexidade </a:t>
+              <a:rPr lang="pt-BR" dirty="0" smtClean="0"/>
+              <a:t>Paradigma de complexidade </a:t>
             </a:r>
           </a:p>
           <a:p>
             <a:pPr algn="just"/>
             <a:r>
-              <a:rPr lang="pt-BR" dirty="0"/>
-              <a:t>Eleva a assertividade </a:t>
+              <a:rPr lang="pt-BR" dirty="0" smtClean="0"/>
+              <a:t>Medo cultural</a:t>
             </a:r>
           </a:p>
           <a:p>
             <a:pPr algn="just"/>
             <a:r>
-              <a:rPr lang="pt-BR" dirty="0"/>
-              <a:t>Possibilita automação</a:t>
+              <a:rPr lang="pt-BR" dirty="0" smtClean="0"/>
+              <a:t>Confiança</a:t>
             </a:r>
           </a:p>
           <a:p>
             <a:pPr algn="just"/>
-            <a:r>
-              <a:rPr lang="pt-BR" dirty="0"/>
-              <a:t>Vantagens sob sistemas especialistas</a:t>
-            </a:r>
-          </a:p>
-          <a:p>
-            <a:pPr algn="just"/>
-            <a:r>
-              <a:rPr lang="pt-BR" dirty="0"/>
-              <a:t>Quanto mais usado, mais capacitado</a:t>
-            </a:r>
+            <a:endParaRPr lang="pt-BR" dirty="0"/>
           </a:p>
         </p:txBody>
       </p:sp>
@@ -4537,7 +4550,7 @@
     </p:spTree>
     <p:extLst>
       <p:ext uri="{BB962C8B-B14F-4D97-AF65-F5344CB8AC3E}">
-        <p14:creationId xmlns:p14="http://schemas.microsoft.com/office/powerpoint/2010/main" val="542792240"/>
+        <p14:creationId xmlns:p14="http://schemas.microsoft.com/office/powerpoint/2010/main" val="399467878"/>
       </p:ext>
     </p:extLst>
   </p:cSld>
@@ -4581,7 +4594,72 @@
           <a:p>
             <a:r>
               <a:rPr lang="pt-BR" dirty="0"/>
-              <a:t>Duvidas?</a:t>
+              <a:t>Conclusão</a:t>
+            </a:r>
+          </a:p>
+        </p:txBody>
+      </p:sp>
+      <p:sp>
+        <p:nvSpPr>
+          <p:cNvPr id="3" name="Espaço Reservado para Conteúdo 2"/>
+          <p:cNvSpPr>
+            <a:spLocks noGrp="1"/>
+          </p:cNvSpPr>
+          <p:nvPr>
+            <p:ph idx="1"/>
+          </p:nvPr>
+        </p:nvSpPr>
+        <p:spPr/>
+        <p:txBody>
+          <a:bodyPr/>
+          <a:lstStyle/>
+          <a:p>
+            <a:pPr algn="just"/>
+            <a:r>
+              <a:rPr lang="pt-BR" dirty="0"/>
+              <a:t>Aplicável em varias áreas</a:t>
+            </a:r>
+          </a:p>
+          <a:p>
+            <a:pPr algn="just"/>
+            <a:r>
+              <a:rPr lang="pt-BR" dirty="0"/>
+              <a:t>Reduz tempo de tratativa</a:t>
+            </a:r>
+          </a:p>
+          <a:p>
+            <a:pPr algn="just"/>
+            <a:r>
+              <a:rPr lang="pt-BR" dirty="0"/>
+              <a:t>Reduz a complexidade </a:t>
+            </a:r>
+          </a:p>
+          <a:p>
+            <a:pPr algn="just"/>
+            <a:r>
+              <a:rPr lang="pt-BR" dirty="0"/>
+              <a:t>Eleva a assertividade </a:t>
+            </a:r>
+          </a:p>
+          <a:p>
+            <a:pPr algn="just"/>
+            <a:r>
+              <a:rPr lang="pt-BR" dirty="0"/>
+              <a:t>Possibilita automação</a:t>
+            </a:r>
+          </a:p>
+          <a:p>
+            <a:pPr algn="just"/>
+            <a:r>
+              <a:rPr lang="pt-BR" dirty="0"/>
+              <a:t>Vantagens sob sistemas especialistas</a:t>
+            </a:r>
+          </a:p>
+          <a:p>
+            <a:pPr algn="just"/>
+            <a:r>
+              <a:rPr lang="pt-BR" dirty="0"/>
+              <a:t>Quanto mais usado, mais capacitado</a:t>
             </a:r>
           </a:p>
         </p:txBody>
@@ -4610,6 +4688,87 @@
                 <a:defRPr/>
               </a:pPr>
               <a:t>15</a:t>
+            </a:fld>
+            <a:endParaRPr lang="pt-BR"/>
+          </a:p>
+        </p:txBody>
+      </p:sp>
+    </p:spTree>
+    <p:extLst>
+      <p:ext uri="{BB962C8B-B14F-4D97-AF65-F5344CB8AC3E}">
+        <p14:creationId xmlns:p14="http://schemas.microsoft.com/office/powerpoint/2010/main" val="542792240"/>
+      </p:ext>
+    </p:extLst>
+  </p:cSld>
+  <p:clrMapOvr>
+    <a:masterClrMapping/>
+  </p:clrMapOvr>
+</p:sld>
+</file>
+
+<file path=ppt/slides/slide16.xml><?xml version="1.0" encoding="utf-8"?>
+<p:sld xmlns:a="http://schemas.openxmlformats.org/drawingml/2006/main" xmlns:r="http://schemas.openxmlformats.org/officeDocument/2006/relationships" xmlns:p="http://schemas.openxmlformats.org/presentationml/2006/main">
+  <p:cSld>
+    <p:spTree>
+      <p:nvGrpSpPr>
+        <p:cNvPr id="1" name=""/>
+        <p:cNvGrpSpPr/>
+        <p:nvPr/>
+      </p:nvGrpSpPr>
+      <p:grpSpPr>
+        <a:xfrm>
+          <a:off x="0" y="0"/>
+          <a:ext cx="0" cy="0"/>
+          <a:chOff x="0" y="0"/>
+          <a:chExt cx="0" cy="0"/>
+        </a:xfrm>
+      </p:grpSpPr>
+      <p:sp>
+        <p:nvSpPr>
+          <p:cNvPr id="2" name="Título 1"/>
+          <p:cNvSpPr>
+            <a:spLocks noGrp="1"/>
+          </p:cNvSpPr>
+          <p:nvPr>
+            <p:ph type="title"/>
+          </p:nvPr>
+        </p:nvSpPr>
+        <p:spPr/>
+        <p:txBody>
+          <a:bodyPr/>
+          <a:lstStyle/>
+          <a:p>
+            <a:r>
+              <a:rPr lang="pt-BR" dirty="0"/>
+              <a:t>Duvidas?</a:t>
+            </a:r>
+          </a:p>
+        </p:txBody>
+      </p:sp>
+      <p:sp>
+        <p:nvSpPr>
+          <p:cNvPr id="4" name="Espaço Reservado para Número de Slide 3"/>
+          <p:cNvSpPr>
+            <a:spLocks noGrp="1"/>
+          </p:cNvSpPr>
+          <p:nvPr>
+            <p:ph type="sldNum" sz="quarter" idx="12"/>
+          </p:nvPr>
+        </p:nvSpPr>
+        <p:spPr/>
+        <p:txBody>
+          <a:bodyPr/>
+          <a:lstStyle/>
+          <a:p>
+            <a:pPr>
+              <a:defRPr/>
+            </a:pPr>
+            <a:fld id="{574C5FB6-BDB8-4712-A840-20AE1E03C817}" type="slidenum">
+              <a:rPr lang="pt-BR" smtClean="0"/>
+              <a:pPr>
+                <a:defRPr/>
+              </a:pPr>
+              <a:t>16</a:t>
             </a:fld>
             <a:endParaRPr lang="pt-BR"/>
           </a:p>
@@ -4799,7 +4958,7 @@
 </p:sld>
 </file>
 
-<file path=ppt/slides/slide16.xml><?xml version="1.0" encoding="utf-8"?>
+<file path=ppt/slides/slide17.xml><?xml version="1.0" encoding="utf-8"?>
 <p:sld xmlns:a="http://schemas.openxmlformats.org/drawingml/2006/main" xmlns:r="http://schemas.openxmlformats.org/officeDocument/2006/relationships" xmlns:p="http://schemas.openxmlformats.org/presentationml/2006/main">
   <p:cSld>
     <p:spTree>
@@ -4839,6 +4998,10 @@
             <a:r>
               <a:rPr lang="pt-BR" dirty="0"/>
               <a:t>Raciocínio baseado em casos</a:t>
+            </a:r>
+            <a:r>
+              <a:rPr lang="pt-BR" sz="8800" dirty="0"/>
+              <a:t/>
             </a:r>
             <a:br>
               <a:rPr lang="pt-BR" sz="8800" dirty="0"/>
@@ -5256,7 +5419,7 @@
           <p:cNvPr id="2" name="Espaço Reservado para Número de Slide 1">
             <a:extLst>
               <a:ext uri="{FF2B5EF4-FFF2-40B4-BE49-F238E27FC236}">
-                <a16:creationId xmlns:a16="http://schemas.microsoft.com/office/drawing/2014/main" id="{FB22D68E-5544-4C66-B676-1E7584CC2A01}"/>
+                <a16:creationId xmlns:a16="http://schemas.microsoft.com/office/drawing/2014/main" xmlns="" id="{FB22D68E-5544-4C66-B676-1E7584CC2A01}"/>
               </a:ext>
             </a:extLst>
           </p:cNvPr>
@@ -5306,6 +5469,10 @@
           <a:bodyPr/>
           <a:lstStyle/>
           <a:p>
+            <a:r>
+              <a:rPr lang="pt-BR" dirty="0"/>
+              <a:t/>
+            </a:r>
             <a:br>
               <a:rPr lang="pt-BR" dirty="0"/>
             </a:br>
@@ -5443,7 +5610,7 @@
           <p:cNvPr id="2" name="Espaço Reservado para Número de Slide 1">
             <a:extLst>
               <a:ext uri="{FF2B5EF4-FFF2-40B4-BE49-F238E27FC236}">
-                <a16:creationId xmlns:a16="http://schemas.microsoft.com/office/drawing/2014/main" id="{0779D6B0-3A91-4CDC-8DA2-60EC6E2E71B3}"/>
+                <a16:creationId xmlns:a16="http://schemas.microsoft.com/office/drawing/2014/main" xmlns="" id="{0779D6B0-3A91-4CDC-8DA2-60EC6E2E71B3}"/>
               </a:ext>
             </a:extLst>
           </p:cNvPr>
@@ -5493,6 +5660,10 @@
           <a:bodyPr/>
           <a:lstStyle/>
           <a:p>
+            <a:r>
+              <a:rPr lang="pt-BR" dirty="0"/>
+              <a:t/>
+            </a:r>
             <a:br>
               <a:rPr lang="pt-BR" dirty="0"/>
             </a:br>
@@ -5557,6 +5728,10 @@
           <a:bodyPr/>
           <a:lstStyle/>
           <a:p>
+            <a:r>
+              <a:rPr lang="pt-BR" dirty="0"/>
+              <a:t/>
+            </a:r>
             <a:br>
               <a:rPr lang="pt-BR" dirty="0"/>
             </a:br>
@@ -6245,6 +6420,28 @@
         <p:txBody>
           <a:bodyPr/>
           <a:lstStyle/>
+          <a:p>
+            <a:pPr lvl="1"/>
+            <a:r>
+              <a:rPr lang="pt-BR" dirty="0" smtClean="0"/>
+              <a:t>Inviável</a:t>
+            </a:r>
+            <a:endParaRPr lang="pt-BR" dirty="0" smtClean="0"/>
+          </a:p>
+          <a:p>
+            <a:r>
+              <a:rPr lang="pt-BR" dirty="0" smtClean="0"/>
+              <a:t>Base </a:t>
+            </a:r>
+            <a:r>
+              <a:rPr lang="pt-BR" dirty="0"/>
+              <a:t>de casos é fundamental para que o RBC dê bons </a:t>
+            </a:r>
+            <a:r>
+              <a:rPr lang="pt-BR" dirty="0" smtClean="0"/>
+              <a:t>resultados</a:t>
+            </a:r>
+          </a:p>
           <a:p>
             <a:endParaRPr lang="pt-BR" dirty="0"/>
           </a:p>

--- a/Seminário/Rascunho Douglas/Apresentação Raciocinio Baseado em Casos.pptx
+++ b/Seminário/Rascunho Douglas/Apresentação Raciocinio Baseado em Casos.pptx
@@ -5,7 +5,7 @@
     <p:sldMasterId id="2147483648" r:id="rId1"/>
   </p:sldMasterIdLst>
   <p:notesMasterIdLst>
-    <p:notesMasterId r:id="rId19"/>
+    <p:notesMasterId r:id="rId23"/>
   </p:notesMasterIdLst>
   <p:sldIdLst>
     <p:sldId id="279" r:id="rId2"/>
@@ -22,9 +22,13 @@
     <p:sldId id="310" r:id="rId13"/>
     <p:sldId id="299" r:id="rId14"/>
     <p:sldId id="300" r:id="rId15"/>
-    <p:sldId id="301" r:id="rId16"/>
-    <p:sldId id="307" r:id="rId17"/>
-    <p:sldId id="308" r:id="rId18"/>
+    <p:sldId id="311" r:id="rId16"/>
+    <p:sldId id="313" r:id="rId17"/>
+    <p:sldId id="312" r:id="rId18"/>
+    <p:sldId id="314" r:id="rId19"/>
+    <p:sldId id="301" r:id="rId20"/>
+    <p:sldId id="307" r:id="rId21"/>
+    <p:sldId id="308" r:id="rId22"/>
   </p:sldIdLst>
   <p:sldSz cx="9144000" cy="6858000" type="screen4x3"/>
   <p:notesSz cx="6858000" cy="9144000"/>
@@ -155,7 +159,7 @@
   </p:defaultTextStyle>
   <p:extLst>
     <p:ext uri="{EFAFB233-063F-42B5-8137-9DF3F51BA10A}">
-      <p15:sldGuideLst xmlns:p15="http://schemas.microsoft.com/office/powerpoint/2012/main">
+      <p15:sldGuideLst xmlns:p15="http://schemas.microsoft.com/office/powerpoint/2012/main" xmlns="">
         <p15:guide id="1" orient="horz" pos="2160">
           <p15:clr>
             <a:srgbClr val="A4A3A4"/>
@@ -4243,7 +4247,6 @@
               <a:rPr lang="pt-BR" dirty="0" smtClean="0"/>
               <a:t>Viável</a:t>
             </a:r>
-            <a:endParaRPr lang="pt-BR" dirty="0" smtClean="0"/>
           </a:p>
           <a:p>
             <a:r>
@@ -4587,15 +4590,21 @@
             <p:ph type="title"/>
           </p:nvPr>
         </p:nvSpPr>
-        <p:spPr/>
+        <p:spPr>
+          <a:xfrm>
+            <a:off x="457200" y="274638"/>
+            <a:ext cx="8229600" cy="1451124"/>
+          </a:xfrm>
+        </p:spPr>
         <p:txBody>
           <a:bodyPr/>
           <a:lstStyle/>
           <a:p>
             <a:r>
-              <a:rPr lang="pt-BR" dirty="0"/>
-              <a:t>Conclusão</a:t>
-            </a:r>
+              <a:rPr lang="pt-BR" dirty="0" smtClean="0"/>
+              <a:t>Questionário</a:t>
+            </a:r>
+            <a:endParaRPr lang="pt-BR" dirty="0"/>
           </a:p>
         </p:txBody>
       </p:sp>
@@ -4609,58 +4618,116 @@
             <p:ph idx="1"/>
           </p:nvPr>
         </p:nvSpPr>
-        <p:spPr/>
+        <p:spPr>
+          <a:xfrm>
+            <a:off x="323528" y="1556792"/>
+            <a:ext cx="8352928" cy="3312368"/>
+          </a:xfrm>
+        </p:spPr>
         <p:txBody>
           <a:bodyPr/>
           <a:lstStyle/>
           <a:p>
-            <a:pPr algn="just"/>
-            <a:r>
-              <a:rPr lang="pt-BR" dirty="0"/>
-              <a:t>Aplicável em varias áreas</a:t>
-            </a:r>
-          </a:p>
-          <a:p>
-            <a:pPr algn="just"/>
-            <a:r>
-              <a:rPr lang="pt-BR" dirty="0"/>
-              <a:t>Reduz tempo de tratativa</a:t>
-            </a:r>
-          </a:p>
-          <a:p>
-            <a:pPr algn="just"/>
-            <a:r>
-              <a:rPr lang="pt-BR" dirty="0"/>
-              <a:t>Reduz a complexidade </a:t>
-            </a:r>
-          </a:p>
-          <a:p>
-            <a:pPr algn="just"/>
-            <a:r>
-              <a:rPr lang="pt-BR" dirty="0"/>
-              <a:t>Eleva a assertividade </a:t>
-            </a:r>
-          </a:p>
-          <a:p>
-            <a:pPr algn="just"/>
-            <a:r>
-              <a:rPr lang="pt-BR" dirty="0"/>
-              <a:t>Possibilita automação</a:t>
-            </a:r>
-          </a:p>
-          <a:p>
-            <a:pPr algn="just"/>
-            <a:r>
-              <a:rPr lang="pt-BR" dirty="0"/>
-              <a:t>Vantagens sob sistemas especialistas</a:t>
-            </a:r>
-          </a:p>
-          <a:p>
-            <a:pPr algn="just"/>
-            <a:r>
-              <a:rPr lang="pt-BR" dirty="0"/>
-              <a:t>Quanto mais usado, mais capacitado</a:t>
-            </a:r>
+            <a:pPr marL="0" indent="0" algn="just">
+              <a:buNone/>
+            </a:pPr>
+            <a:r>
+              <a:rPr lang="pt-BR" sz="2800" dirty="0"/>
+              <a:t>Em qual tipo de cenário o RBC não poderia ser </a:t>
+            </a:r>
+            <a:r>
+              <a:rPr lang="pt-BR" sz="2800" dirty="0" smtClean="0"/>
+              <a:t>aplicado ?</a:t>
+            </a:r>
+          </a:p>
+          <a:p>
+            <a:pPr marL="0" indent="0" algn="just">
+              <a:buNone/>
+            </a:pPr>
+            <a:endParaRPr lang="pt-BR" sz="700" dirty="0"/>
+          </a:p>
+          <a:p>
+            <a:pPr marL="457200" indent="-457200" algn="just">
+              <a:buAutoNum type="alphaLcParenR"/>
+            </a:pPr>
+            <a:r>
+              <a:rPr lang="pt-BR" sz="2400" dirty="0" smtClean="0"/>
+              <a:t>Auxiliando na </a:t>
+            </a:r>
+            <a:r>
+              <a:rPr lang="pt-BR" sz="2400" dirty="0"/>
+              <a:t>resolução de problemas de alta </a:t>
+            </a:r>
+            <a:r>
+              <a:rPr lang="pt-BR" sz="2400" dirty="0" smtClean="0"/>
+              <a:t>complexidade</a:t>
+            </a:r>
+          </a:p>
+          <a:p>
+            <a:pPr marL="457200" indent="-457200" algn="just">
+              <a:buAutoNum type="alphaLcParenR"/>
+            </a:pPr>
+            <a:endParaRPr lang="pt-BR" sz="500" dirty="0"/>
+          </a:p>
+          <a:p>
+            <a:pPr marL="0" indent="0" algn="just">
+              <a:buNone/>
+            </a:pPr>
+            <a:r>
+              <a:rPr lang="pt-BR" sz="2400" dirty="0" smtClean="0"/>
+              <a:t>b) Atuando </a:t>
+            </a:r>
+            <a:r>
+              <a:rPr lang="pt-BR" sz="2400" dirty="0"/>
+              <a:t>na resolução de atividades </a:t>
+            </a:r>
+            <a:r>
+              <a:rPr lang="pt-BR" sz="2400" dirty="0" smtClean="0"/>
+              <a:t>repetitivas</a:t>
+            </a:r>
+          </a:p>
+          <a:p>
+            <a:pPr marL="0" indent="0" algn="just">
+              <a:buNone/>
+            </a:pPr>
+            <a:endParaRPr lang="pt-BR" sz="500" dirty="0"/>
+          </a:p>
+          <a:p>
+            <a:pPr marL="0" indent="0" algn="just">
+              <a:buNone/>
+            </a:pPr>
+            <a:r>
+              <a:rPr lang="pt-BR" sz="2400" dirty="0" smtClean="0"/>
+              <a:t>c) Atuando </a:t>
+            </a:r>
+            <a:r>
+              <a:rPr lang="pt-BR" sz="2400" dirty="0"/>
+              <a:t>em um sistema livre de armazenamento de </a:t>
+            </a:r>
+            <a:r>
+              <a:rPr lang="pt-BR" sz="2400" dirty="0" smtClean="0"/>
+              <a:t>registros</a:t>
+            </a:r>
+          </a:p>
+          <a:p>
+            <a:pPr marL="0" indent="0" algn="just">
+              <a:buNone/>
+            </a:pPr>
+            <a:endParaRPr lang="pt-BR" sz="500" dirty="0"/>
+          </a:p>
+          <a:p>
+            <a:pPr marL="0" indent="0" algn="just">
+              <a:buNone/>
+            </a:pPr>
+            <a:r>
+              <a:rPr lang="pt-BR" sz="2400" dirty="0" smtClean="0"/>
+              <a:t>d) Auxiliando </a:t>
+            </a:r>
+            <a:r>
+              <a:rPr lang="pt-BR" sz="2400" dirty="0"/>
+              <a:t>um médico no diagnóstico de um paciente</a:t>
+            </a:r>
+            <a:endParaRPr lang="pt-BR" sz="2400" dirty="0"/>
           </a:p>
         </p:txBody>
       </p:sp>
@@ -4696,7 +4763,7 @@
     </p:spTree>
     <p:extLst>
       <p:ext uri="{BB962C8B-B14F-4D97-AF65-F5344CB8AC3E}">
-        <p14:creationId xmlns:p14="http://schemas.microsoft.com/office/powerpoint/2010/main" val="542792240"/>
+        <p14:creationId xmlns:p14="http://schemas.microsoft.com/office/powerpoint/2010/main" val="208492157"/>
       </p:ext>
     </p:extLst>
   </p:cSld>
@@ -4733,15 +4800,144 @@
             <p:ph type="title"/>
           </p:nvPr>
         </p:nvSpPr>
-        <p:spPr/>
+        <p:spPr>
+          <a:xfrm>
+            <a:off x="457200" y="274638"/>
+            <a:ext cx="8229600" cy="1451124"/>
+          </a:xfrm>
+        </p:spPr>
         <p:txBody>
           <a:bodyPr/>
           <a:lstStyle/>
           <a:p>
             <a:r>
-              <a:rPr lang="pt-BR" dirty="0"/>
-              <a:t>Duvidas?</a:t>
-            </a:r>
+              <a:rPr lang="pt-BR" dirty="0" smtClean="0"/>
+              <a:t>Questionário</a:t>
+            </a:r>
+            <a:endParaRPr lang="pt-BR" dirty="0"/>
+          </a:p>
+        </p:txBody>
+      </p:sp>
+      <p:sp>
+        <p:nvSpPr>
+          <p:cNvPr id="3" name="Espaço Reservado para Conteúdo 2"/>
+          <p:cNvSpPr>
+            <a:spLocks noGrp="1"/>
+          </p:cNvSpPr>
+          <p:nvPr>
+            <p:ph idx="1"/>
+          </p:nvPr>
+        </p:nvSpPr>
+        <p:spPr>
+          <a:xfrm>
+            <a:off x="323528" y="1556792"/>
+            <a:ext cx="8352928" cy="3312368"/>
+          </a:xfrm>
+        </p:spPr>
+        <p:txBody>
+          <a:bodyPr/>
+          <a:lstStyle/>
+          <a:p>
+            <a:pPr marL="0" indent="0" algn="just">
+              <a:buNone/>
+            </a:pPr>
+            <a:r>
+              <a:rPr lang="pt-BR" sz="2800" dirty="0"/>
+              <a:t>Em qual tipo de cenário o RBC não poderia ser </a:t>
+            </a:r>
+            <a:r>
+              <a:rPr lang="pt-BR" sz="2800" dirty="0" smtClean="0"/>
+              <a:t>aplicado ?</a:t>
+            </a:r>
+          </a:p>
+          <a:p>
+            <a:pPr marL="0" indent="0" algn="just">
+              <a:buNone/>
+            </a:pPr>
+            <a:endParaRPr lang="pt-BR" sz="700" dirty="0"/>
+          </a:p>
+          <a:p>
+            <a:pPr marL="457200" indent="-457200" algn="just">
+              <a:buAutoNum type="alphaLcParenR"/>
+            </a:pPr>
+            <a:r>
+              <a:rPr lang="pt-BR" sz="2400" dirty="0" smtClean="0"/>
+              <a:t>Auxiliando na </a:t>
+            </a:r>
+            <a:r>
+              <a:rPr lang="pt-BR" sz="2400" dirty="0"/>
+              <a:t>resolução de problemas de alta </a:t>
+            </a:r>
+            <a:r>
+              <a:rPr lang="pt-BR" sz="2400" dirty="0" smtClean="0"/>
+              <a:t>complexidade</a:t>
+            </a:r>
+          </a:p>
+          <a:p>
+            <a:pPr marL="457200" indent="-457200" algn="just">
+              <a:buAutoNum type="alphaLcParenR"/>
+            </a:pPr>
+            <a:endParaRPr lang="pt-BR" sz="500" dirty="0"/>
+          </a:p>
+          <a:p>
+            <a:pPr marL="0" indent="0" algn="just">
+              <a:buNone/>
+            </a:pPr>
+            <a:r>
+              <a:rPr lang="pt-BR" sz="2400" dirty="0" smtClean="0"/>
+              <a:t>b) Atuando </a:t>
+            </a:r>
+            <a:r>
+              <a:rPr lang="pt-BR" sz="2400" dirty="0"/>
+              <a:t>na resolução de atividades </a:t>
+            </a:r>
+            <a:r>
+              <a:rPr lang="pt-BR" sz="2400" dirty="0" smtClean="0"/>
+              <a:t>repetitivas</a:t>
+            </a:r>
+          </a:p>
+          <a:p>
+            <a:pPr marL="0" indent="0" algn="just">
+              <a:buNone/>
+            </a:pPr>
+            <a:endParaRPr lang="pt-BR" sz="500" dirty="0"/>
+          </a:p>
+          <a:p>
+            <a:pPr marL="0" indent="0" algn="just">
+              <a:buNone/>
+            </a:pPr>
+            <a:r>
+              <a:rPr lang="pt-BR" sz="2400" dirty="0" smtClean="0"/>
+              <a:t>c) Atuando </a:t>
+            </a:r>
+            <a:r>
+              <a:rPr lang="pt-BR" sz="2400" dirty="0"/>
+              <a:t>em um sistema livre de armazenamento de </a:t>
+            </a:r>
+            <a:r>
+              <a:rPr lang="pt-BR" sz="2400" dirty="0" smtClean="0"/>
+              <a:t>registros</a:t>
+            </a:r>
+          </a:p>
+          <a:p>
+            <a:pPr marL="0" indent="0" algn="just">
+              <a:buNone/>
+            </a:pPr>
+            <a:endParaRPr lang="pt-BR" sz="500" dirty="0"/>
+          </a:p>
+          <a:p>
+            <a:pPr marL="0" indent="0" algn="just">
+              <a:buNone/>
+            </a:pPr>
+            <a:r>
+              <a:rPr lang="pt-BR" sz="2400" dirty="0" smtClean="0"/>
+              <a:t>d) Auxiliando </a:t>
+            </a:r>
+            <a:r>
+              <a:rPr lang="pt-BR" sz="2400" dirty="0"/>
+              <a:t>um médico no diagnóstico de um paciente</a:t>
+            </a:r>
+            <a:endParaRPr lang="pt-BR" sz="2400" dirty="0"/>
           </a:p>
         </p:txBody>
       </p:sp>
@@ -4769,6 +4965,954 @@
                 <a:defRPr/>
               </a:pPr>
               <a:t>16</a:t>
+            </a:fld>
+            <a:endParaRPr lang="pt-BR"/>
+          </a:p>
+        </p:txBody>
+      </p:sp>
+      <p:sp>
+        <p:nvSpPr>
+          <p:cNvPr id="5" name="Multiplicar 4"/>
+          <p:cNvSpPr/>
+          <p:nvPr/>
+        </p:nvSpPr>
+        <p:spPr>
+          <a:xfrm>
+            <a:off x="251520" y="4059640"/>
+            <a:ext cx="504056" cy="504056"/>
+          </a:xfrm>
+          <a:prstGeom prst="mathMultiply">
+            <a:avLst/>
+          </a:prstGeom>
+          <a:solidFill>
+            <a:srgbClr val="00B050"/>
+          </a:solidFill>
+          <a:ln>
+            <a:solidFill>
+              <a:srgbClr val="92D050"/>
+            </a:solidFill>
+          </a:ln>
+        </p:spPr>
+        <p:style>
+          <a:lnRef idx="2">
+            <a:schemeClr val="accent1">
+              <a:shade val="50000"/>
+            </a:schemeClr>
+          </a:lnRef>
+          <a:fillRef idx="1">
+            <a:schemeClr val="accent1"/>
+          </a:fillRef>
+          <a:effectRef idx="0">
+            <a:schemeClr val="accent1"/>
+          </a:effectRef>
+          <a:fontRef idx="minor">
+            <a:schemeClr val="lt1"/>
+          </a:fontRef>
+        </p:style>
+        <p:txBody>
+          <a:bodyPr rtlCol="0" anchor="ctr"/>
+          <a:lstStyle/>
+          <a:p>
+            <a:pPr algn="ctr"/>
+            <a:endParaRPr lang="pt-BR"/>
+          </a:p>
+        </p:txBody>
+      </p:sp>
+    </p:spTree>
+    <p:extLst>
+      <p:ext uri="{BB962C8B-B14F-4D97-AF65-F5344CB8AC3E}">
+        <p14:creationId xmlns:p14="http://schemas.microsoft.com/office/powerpoint/2010/main" val="2736236958"/>
+      </p:ext>
+    </p:extLst>
+  </p:cSld>
+  <p:clrMapOvr>
+    <a:masterClrMapping/>
+  </p:clrMapOvr>
+</p:sld>
+</file>
+
+<file path=ppt/slides/slide17.xml><?xml version="1.0" encoding="utf-8"?>
+<p:sld xmlns:a="http://schemas.openxmlformats.org/drawingml/2006/main" xmlns:r="http://schemas.openxmlformats.org/officeDocument/2006/relationships" xmlns:p="http://schemas.openxmlformats.org/presentationml/2006/main">
+  <p:cSld>
+    <p:spTree>
+      <p:nvGrpSpPr>
+        <p:cNvPr id="1" name=""/>
+        <p:cNvGrpSpPr/>
+        <p:nvPr/>
+      </p:nvGrpSpPr>
+      <p:grpSpPr>
+        <a:xfrm>
+          <a:off x="0" y="0"/>
+          <a:ext cx="0" cy="0"/>
+          <a:chOff x="0" y="0"/>
+          <a:chExt cx="0" cy="0"/>
+        </a:xfrm>
+      </p:grpSpPr>
+      <p:sp>
+        <p:nvSpPr>
+          <p:cNvPr id="2" name="Título 1"/>
+          <p:cNvSpPr>
+            <a:spLocks noGrp="1"/>
+          </p:cNvSpPr>
+          <p:nvPr>
+            <p:ph type="title"/>
+          </p:nvPr>
+        </p:nvSpPr>
+        <p:spPr>
+          <a:xfrm>
+            <a:off x="457200" y="274638"/>
+            <a:ext cx="8229600" cy="1451124"/>
+          </a:xfrm>
+        </p:spPr>
+        <p:txBody>
+          <a:bodyPr/>
+          <a:lstStyle/>
+          <a:p>
+            <a:r>
+              <a:rPr lang="pt-BR" dirty="0" smtClean="0"/>
+              <a:t>Questionário</a:t>
+            </a:r>
+            <a:endParaRPr lang="pt-BR" dirty="0"/>
+          </a:p>
+        </p:txBody>
+      </p:sp>
+      <p:sp>
+        <p:nvSpPr>
+          <p:cNvPr id="3" name="Espaço Reservado para Conteúdo 2"/>
+          <p:cNvSpPr>
+            <a:spLocks noGrp="1"/>
+          </p:cNvSpPr>
+          <p:nvPr>
+            <p:ph idx="1"/>
+          </p:nvPr>
+        </p:nvSpPr>
+        <p:spPr>
+          <a:xfrm>
+            <a:off x="323528" y="1556792"/>
+            <a:ext cx="8352928" cy="3312368"/>
+          </a:xfrm>
+        </p:spPr>
+        <p:txBody>
+          <a:bodyPr/>
+          <a:lstStyle/>
+          <a:p>
+            <a:pPr marL="0" indent="0" algn="just">
+              <a:buNone/>
+            </a:pPr>
+            <a:r>
+              <a:rPr lang="pt-BR" sz="2800" dirty="0"/>
+              <a:t>Qual a sequência correta de uma análise RBC</a:t>
+            </a:r>
+            <a:r>
+              <a:rPr lang="pt-BR" sz="2800" dirty="0" smtClean="0"/>
+              <a:t>?</a:t>
+            </a:r>
+          </a:p>
+          <a:p>
+            <a:pPr marL="0" indent="0" algn="just">
+              <a:buNone/>
+            </a:pPr>
+            <a:endParaRPr lang="pt-BR" sz="700" dirty="0"/>
+          </a:p>
+          <a:p>
+            <a:pPr marL="457200" indent="-457200" algn="just">
+              <a:buAutoNum type="alphaLcParenR"/>
+            </a:pPr>
+            <a:r>
+              <a:rPr lang="pt-BR" sz="2400" dirty="0" smtClean="0"/>
+              <a:t>Encontrar </a:t>
+            </a:r>
+            <a:r>
+              <a:rPr lang="pt-BR" sz="2400" dirty="0"/>
+              <a:t>similaridade &gt; Utilizar solução adaptada &gt; Verificar a solução &gt; Armazenar novo cenário </a:t>
+            </a:r>
+            <a:endParaRPr lang="pt-BR" sz="2400" dirty="0" smtClean="0"/>
+          </a:p>
+          <a:p>
+            <a:pPr marL="457200" indent="-457200" algn="just">
+              <a:buAutoNum type="alphaLcParenR"/>
+            </a:pPr>
+            <a:endParaRPr lang="pt-BR" sz="500" dirty="0"/>
+          </a:p>
+          <a:p>
+            <a:pPr marL="0" indent="0" algn="just">
+              <a:buNone/>
+            </a:pPr>
+            <a:r>
+              <a:rPr lang="pt-BR" sz="2400" dirty="0" smtClean="0"/>
+              <a:t>b) Encontrar </a:t>
+            </a:r>
+            <a:r>
+              <a:rPr lang="pt-BR" sz="2400" dirty="0"/>
+              <a:t>similaridade &gt; Armazenar o novo cenário &gt; Utilizar solução adaptada &gt; Verificar a </a:t>
+            </a:r>
+            <a:r>
+              <a:rPr lang="pt-BR" sz="2400" dirty="0" smtClean="0"/>
+              <a:t>solução</a:t>
+            </a:r>
+          </a:p>
+          <a:p>
+            <a:pPr marL="0" indent="0" algn="just">
+              <a:buNone/>
+            </a:pPr>
+            <a:endParaRPr lang="pt-BR" sz="500" dirty="0"/>
+          </a:p>
+          <a:p>
+            <a:pPr marL="0" indent="0" algn="just">
+              <a:buNone/>
+            </a:pPr>
+            <a:r>
+              <a:rPr lang="pt-BR" sz="2400" dirty="0" smtClean="0"/>
+              <a:t>c) Encontrar </a:t>
+            </a:r>
+            <a:r>
+              <a:rPr lang="pt-BR" sz="2400" dirty="0"/>
+              <a:t>similaridade &gt; Verificar a solução &gt; Utilizar solução adaptada &gt; Armazenar novo cenário</a:t>
+            </a:r>
+            <a:endParaRPr lang="pt-BR" sz="2400" dirty="0"/>
+          </a:p>
+        </p:txBody>
+      </p:sp>
+      <p:sp>
+        <p:nvSpPr>
+          <p:cNvPr id="4" name="Espaço Reservado para Número de Slide 3"/>
+          <p:cNvSpPr>
+            <a:spLocks noGrp="1"/>
+          </p:cNvSpPr>
+          <p:nvPr>
+            <p:ph type="sldNum" sz="quarter" idx="12"/>
+          </p:nvPr>
+        </p:nvSpPr>
+        <p:spPr/>
+        <p:txBody>
+          <a:bodyPr/>
+          <a:lstStyle/>
+          <a:p>
+            <a:pPr>
+              <a:defRPr/>
+            </a:pPr>
+            <a:fld id="{574C5FB6-BDB8-4712-A840-20AE1E03C817}" type="slidenum">
+              <a:rPr lang="pt-BR" smtClean="0"/>
+              <a:pPr>
+                <a:defRPr/>
+              </a:pPr>
+              <a:t>17</a:t>
+            </a:fld>
+            <a:endParaRPr lang="pt-BR"/>
+          </a:p>
+        </p:txBody>
+      </p:sp>
+    </p:spTree>
+    <p:extLst>
+      <p:ext uri="{BB962C8B-B14F-4D97-AF65-F5344CB8AC3E}">
+        <p14:creationId xmlns:p14="http://schemas.microsoft.com/office/powerpoint/2010/main" val="3230176182"/>
+      </p:ext>
+    </p:extLst>
+  </p:cSld>
+  <p:clrMapOvr>
+    <a:masterClrMapping/>
+  </p:clrMapOvr>
+</p:sld>
+</file>
+
+<file path=ppt/slides/slide18.xml><?xml version="1.0" encoding="utf-8"?>
+<p:sld xmlns:a="http://schemas.openxmlformats.org/drawingml/2006/main" xmlns:r="http://schemas.openxmlformats.org/officeDocument/2006/relationships" xmlns:p="http://schemas.openxmlformats.org/presentationml/2006/main">
+  <p:cSld>
+    <p:spTree>
+      <p:nvGrpSpPr>
+        <p:cNvPr id="1" name=""/>
+        <p:cNvGrpSpPr/>
+        <p:nvPr/>
+      </p:nvGrpSpPr>
+      <p:grpSpPr>
+        <a:xfrm>
+          <a:off x="0" y="0"/>
+          <a:ext cx="0" cy="0"/>
+          <a:chOff x="0" y="0"/>
+          <a:chExt cx="0" cy="0"/>
+        </a:xfrm>
+      </p:grpSpPr>
+      <p:sp>
+        <p:nvSpPr>
+          <p:cNvPr id="2" name="Título 1"/>
+          <p:cNvSpPr>
+            <a:spLocks noGrp="1"/>
+          </p:cNvSpPr>
+          <p:nvPr>
+            <p:ph type="title"/>
+          </p:nvPr>
+        </p:nvSpPr>
+        <p:spPr>
+          <a:xfrm>
+            <a:off x="457200" y="274638"/>
+            <a:ext cx="8229600" cy="1451124"/>
+          </a:xfrm>
+        </p:spPr>
+        <p:txBody>
+          <a:bodyPr/>
+          <a:lstStyle/>
+          <a:p>
+            <a:r>
+              <a:rPr lang="pt-BR" dirty="0" smtClean="0"/>
+              <a:t>Questionário</a:t>
+            </a:r>
+            <a:endParaRPr lang="pt-BR" dirty="0"/>
+          </a:p>
+        </p:txBody>
+      </p:sp>
+      <p:sp>
+        <p:nvSpPr>
+          <p:cNvPr id="3" name="Espaço Reservado para Conteúdo 2"/>
+          <p:cNvSpPr>
+            <a:spLocks noGrp="1"/>
+          </p:cNvSpPr>
+          <p:nvPr>
+            <p:ph idx="1"/>
+          </p:nvPr>
+        </p:nvSpPr>
+        <p:spPr>
+          <a:xfrm>
+            <a:off x="323528" y="1556792"/>
+            <a:ext cx="8352928" cy="3312368"/>
+          </a:xfrm>
+        </p:spPr>
+        <p:txBody>
+          <a:bodyPr/>
+          <a:lstStyle/>
+          <a:p>
+            <a:pPr marL="0" indent="0" algn="just">
+              <a:buNone/>
+            </a:pPr>
+            <a:r>
+              <a:rPr lang="pt-BR" sz="2800" dirty="0"/>
+              <a:t>Qual a sequência correta de uma análise RBC</a:t>
+            </a:r>
+            <a:r>
+              <a:rPr lang="pt-BR" sz="2800" dirty="0" smtClean="0"/>
+              <a:t>?</a:t>
+            </a:r>
+          </a:p>
+          <a:p>
+            <a:pPr marL="0" indent="0" algn="just">
+              <a:buNone/>
+            </a:pPr>
+            <a:endParaRPr lang="pt-BR" sz="700" dirty="0"/>
+          </a:p>
+          <a:p>
+            <a:pPr marL="457200" indent="-457200" algn="just">
+              <a:buAutoNum type="alphaLcParenR"/>
+            </a:pPr>
+            <a:r>
+              <a:rPr lang="pt-BR" sz="2400" dirty="0" smtClean="0"/>
+              <a:t>Encontrar </a:t>
+            </a:r>
+            <a:r>
+              <a:rPr lang="pt-BR" sz="2400" dirty="0"/>
+              <a:t>similaridade &gt; Utilizar solução adaptada &gt; Verificar a solução &gt; Armazenar novo cenário </a:t>
+            </a:r>
+            <a:endParaRPr lang="pt-BR" sz="2400" dirty="0" smtClean="0"/>
+          </a:p>
+          <a:p>
+            <a:pPr marL="457200" indent="-457200" algn="just">
+              <a:buAutoNum type="alphaLcParenR"/>
+            </a:pPr>
+            <a:endParaRPr lang="pt-BR" sz="500" dirty="0"/>
+          </a:p>
+          <a:p>
+            <a:pPr marL="0" indent="0" algn="just">
+              <a:buNone/>
+            </a:pPr>
+            <a:r>
+              <a:rPr lang="pt-BR" sz="2400" dirty="0" smtClean="0"/>
+              <a:t>b) Encontrar </a:t>
+            </a:r>
+            <a:r>
+              <a:rPr lang="pt-BR" sz="2400" dirty="0"/>
+              <a:t>similaridade &gt; Armazenar o novo cenário &gt; Utilizar solução adaptada &gt; Verificar a </a:t>
+            </a:r>
+            <a:r>
+              <a:rPr lang="pt-BR" sz="2400" dirty="0" smtClean="0"/>
+              <a:t>solução</a:t>
+            </a:r>
+          </a:p>
+          <a:p>
+            <a:pPr marL="0" indent="0" algn="just">
+              <a:buNone/>
+            </a:pPr>
+            <a:endParaRPr lang="pt-BR" sz="500" dirty="0"/>
+          </a:p>
+          <a:p>
+            <a:pPr marL="0" indent="0" algn="just">
+              <a:buNone/>
+            </a:pPr>
+            <a:r>
+              <a:rPr lang="pt-BR" sz="2400" dirty="0" smtClean="0"/>
+              <a:t>c) Encontrar </a:t>
+            </a:r>
+            <a:r>
+              <a:rPr lang="pt-BR" sz="2400" dirty="0"/>
+              <a:t>similaridade &gt; Verificar a solução &gt; Utilizar solução adaptada &gt; Armazenar novo cenário</a:t>
+            </a:r>
+            <a:endParaRPr lang="pt-BR" sz="2400" dirty="0"/>
+          </a:p>
+        </p:txBody>
+      </p:sp>
+      <p:sp>
+        <p:nvSpPr>
+          <p:cNvPr id="4" name="Espaço Reservado para Número de Slide 3"/>
+          <p:cNvSpPr>
+            <a:spLocks noGrp="1"/>
+          </p:cNvSpPr>
+          <p:nvPr>
+            <p:ph type="sldNum" sz="quarter" idx="12"/>
+          </p:nvPr>
+        </p:nvSpPr>
+        <p:spPr/>
+        <p:txBody>
+          <a:bodyPr/>
+          <a:lstStyle/>
+          <a:p>
+            <a:pPr>
+              <a:defRPr/>
+            </a:pPr>
+            <a:fld id="{574C5FB6-BDB8-4712-A840-20AE1E03C817}" type="slidenum">
+              <a:rPr lang="pt-BR" smtClean="0"/>
+              <a:pPr>
+                <a:defRPr/>
+              </a:pPr>
+              <a:t>18</a:t>
+            </a:fld>
+            <a:endParaRPr lang="pt-BR"/>
+          </a:p>
+        </p:txBody>
+      </p:sp>
+      <p:sp>
+        <p:nvSpPr>
+          <p:cNvPr id="5" name="Multiplicar 4"/>
+          <p:cNvSpPr/>
+          <p:nvPr/>
+        </p:nvSpPr>
+        <p:spPr>
+          <a:xfrm>
+            <a:off x="251520" y="2204864"/>
+            <a:ext cx="504056" cy="504056"/>
+          </a:xfrm>
+          <a:prstGeom prst="mathMultiply">
+            <a:avLst/>
+          </a:prstGeom>
+          <a:solidFill>
+            <a:srgbClr val="00B050"/>
+          </a:solidFill>
+          <a:ln>
+            <a:solidFill>
+              <a:srgbClr val="92D050"/>
+            </a:solidFill>
+          </a:ln>
+        </p:spPr>
+        <p:style>
+          <a:lnRef idx="2">
+            <a:schemeClr val="accent1">
+              <a:shade val="50000"/>
+            </a:schemeClr>
+          </a:lnRef>
+          <a:fillRef idx="1">
+            <a:schemeClr val="accent1"/>
+          </a:fillRef>
+          <a:effectRef idx="0">
+            <a:schemeClr val="accent1"/>
+          </a:effectRef>
+          <a:fontRef idx="minor">
+            <a:schemeClr val="lt1"/>
+          </a:fontRef>
+        </p:style>
+        <p:txBody>
+          <a:bodyPr rtlCol="0" anchor="ctr"/>
+          <a:lstStyle/>
+          <a:p>
+            <a:pPr algn="ctr"/>
+            <a:endParaRPr lang="pt-BR"/>
+          </a:p>
+        </p:txBody>
+      </p:sp>
+    </p:spTree>
+    <p:extLst>
+      <p:ext uri="{BB962C8B-B14F-4D97-AF65-F5344CB8AC3E}">
+        <p14:creationId xmlns:p14="http://schemas.microsoft.com/office/powerpoint/2010/main" val="29303218"/>
+      </p:ext>
+    </p:extLst>
+  </p:cSld>
+  <p:clrMapOvr>
+    <a:masterClrMapping/>
+  </p:clrMapOvr>
+</p:sld>
+</file>
+
+<file path=ppt/slides/slide19.xml><?xml version="1.0" encoding="utf-8"?>
+<p:sld xmlns:a="http://schemas.openxmlformats.org/drawingml/2006/main" xmlns:r="http://schemas.openxmlformats.org/officeDocument/2006/relationships" xmlns:p="http://schemas.openxmlformats.org/presentationml/2006/main">
+  <p:cSld>
+    <p:spTree>
+      <p:nvGrpSpPr>
+        <p:cNvPr id="1" name=""/>
+        <p:cNvGrpSpPr/>
+        <p:nvPr/>
+      </p:nvGrpSpPr>
+      <p:grpSpPr>
+        <a:xfrm>
+          <a:off x="0" y="0"/>
+          <a:ext cx="0" cy="0"/>
+          <a:chOff x="0" y="0"/>
+          <a:chExt cx="0" cy="0"/>
+        </a:xfrm>
+      </p:grpSpPr>
+      <p:sp>
+        <p:nvSpPr>
+          <p:cNvPr id="2" name="Título 1"/>
+          <p:cNvSpPr>
+            <a:spLocks noGrp="1"/>
+          </p:cNvSpPr>
+          <p:nvPr>
+            <p:ph type="title"/>
+          </p:nvPr>
+        </p:nvSpPr>
+        <p:spPr/>
+        <p:txBody>
+          <a:bodyPr/>
+          <a:lstStyle/>
+          <a:p>
+            <a:r>
+              <a:rPr lang="pt-BR" dirty="0"/>
+              <a:t>Conclusão</a:t>
+            </a:r>
+          </a:p>
+        </p:txBody>
+      </p:sp>
+      <p:sp>
+        <p:nvSpPr>
+          <p:cNvPr id="3" name="Espaço Reservado para Conteúdo 2"/>
+          <p:cNvSpPr>
+            <a:spLocks noGrp="1"/>
+          </p:cNvSpPr>
+          <p:nvPr>
+            <p:ph idx="1"/>
+          </p:nvPr>
+        </p:nvSpPr>
+        <p:spPr/>
+        <p:txBody>
+          <a:bodyPr/>
+          <a:lstStyle/>
+          <a:p>
+            <a:pPr algn="just"/>
+            <a:r>
+              <a:rPr lang="pt-BR" dirty="0"/>
+              <a:t>Aplicável em varias áreas</a:t>
+            </a:r>
+          </a:p>
+          <a:p>
+            <a:pPr algn="just"/>
+            <a:r>
+              <a:rPr lang="pt-BR" dirty="0"/>
+              <a:t>Reduz tempo de tratativa</a:t>
+            </a:r>
+          </a:p>
+          <a:p>
+            <a:pPr algn="just"/>
+            <a:r>
+              <a:rPr lang="pt-BR" dirty="0"/>
+              <a:t>Reduz a complexidade </a:t>
+            </a:r>
+          </a:p>
+          <a:p>
+            <a:pPr algn="just"/>
+            <a:r>
+              <a:rPr lang="pt-BR" dirty="0"/>
+              <a:t>Eleva a assertividade </a:t>
+            </a:r>
+          </a:p>
+          <a:p>
+            <a:pPr algn="just"/>
+            <a:r>
+              <a:rPr lang="pt-BR" dirty="0"/>
+              <a:t>Possibilita automação</a:t>
+            </a:r>
+          </a:p>
+          <a:p>
+            <a:pPr algn="just"/>
+            <a:r>
+              <a:rPr lang="pt-BR" dirty="0"/>
+              <a:t>Vantagens sob sistemas especialistas</a:t>
+            </a:r>
+          </a:p>
+          <a:p>
+            <a:pPr algn="just"/>
+            <a:r>
+              <a:rPr lang="pt-BR" dirty="0"/>
+              <a:t>Quanto mais usado, mais capacitado</a:t>
+            </a:r>
+          </a:p>
+        </p:txBody>
+      </p:sp>
+      <p:sp>
+        <p:nvSpPr>
+          <p:cNvPr id="4" name="Espaço Reservado para Número de Slide 3"/>
+          <p:cNvSpPr>
+            <a:spLocks noGrp="1"/>
+          </p:cNvSpPr>
+          <p:nvPr>
+            <p:ph type="sldNum" sz="quarter" idx="12"/>
+          </p:nvPr>
+        </p:nvSpPr>
+        <p:spPr/>
+        <p:txBody>
+          <a:bodyPr/>
+          <a:lstStyle/>
+          <a:p>
+            <a:pPr>
+              <a:defRPr/>
+            </a:pPr>
+            <a:fld id="{574C5FB6-BDB8-4712-A840-20AE1E03C817}" type="slidenum">
+              <a:rPr lang="pt-BR" smtClean="0"/>
+              <a:pPr>
+                <a:defRPr/>
+              </a:pPr>
+              <a:t>19</a:t>
+            </a:fld>
+            <a:endParaRPr lang="pt-BR"/>
+          </a:p>
+        </p:txBody>
+      </p:sp>
+    </p:spTree>
+    <p:extLst>
+      <p:ext uri="{BB962C8B-B14F-4D97-AF65-F5344CB8AC3E}">
+        <p14:creationId xmlns:p14="http://schemas.microsoft.com/office/powerpoint/2010/main" val="542792240"/>
+      </p:ext>
+    </p:extLst>
+  </p:cSld>
+  <p:clrMapOvr>
+    <a:masterClrMapping/>
+  </p:clrMapOvr>
+</p:sld>
+</file>
+
+<file path=ppt/slides/slide2.xml><?xml version="1.0" encoding="utf-8"?>
+<p:sld xmlns:a="http://schemas.openxmlformats.org/drawingml/2006/main" xmlns:r="http://schemas.openxmlformats.org/officeDocument/2006/relationships" xmlns:p="http://schemas.openxmlformats.org/presentationml/2006/main">
+  <p:cSld>
+    <p:spTree>
+      <p:nvGrpSpPr>
+        <p:cNvPr id="1" name=""/>
+        <p:cNvGrpSpPr/>
+        <p:nvPr/>
+      </p:nvGrpSpPr>
+      <p:grpSpPr>
+        <a:xfrm>
+          <a:off x="0" y="0"/>
+          <a:ext cx="0" cy="0"/>
+          <a:chOff x="0" y="0"/>
+          <a:chExt cx="0" cy="0"/>
+        </a:xfrm>
+      </p:grpSpPr>
+      <p:sp>
+        <p:nvSpPr>
+          <p:cNvPr id="2" name="Título 1"/>
+          <p:cNvSpPr>
+            <a:spLocks noGrp="1"/>
+          </p:cNvSpPr>
+          <p:nvPr>
+            <p:ph type="title"/>
+          </p:nvPr>
+        </p:nvSpPr>
+        <p:spPr>
+          <a:xfrm>
+            <a:off x="1043608" y="260648"/>
+            <a:ext cx="8229600" cy="1143000"/>
+          </a:xfrm>
+        </p:spPr>
+        <p:txBody>
+          <a:bodyPr/>
+          <a:lstStyle/>
+          <a:p>
+            <a:r>
+              <a:rPr lang="pt-BR" dirty="0"/>
+              <a:t>Conhecimento sobre RBC</a:t>
+            </a:r>
+          </a:p>
+        </p:txBody>
+      </p:sp>
+      <p:sp>
+        <p:nvSpPr>
+          <p:cNvPr id="4" name="Espaço Reservado para Número de Slide 3"/>
+          <p:cNvSpPr>
+            <a:spLocks noGrp="1"/>
+          </p:cNvSpPr>
+          <p:nvPr>
+            <p:ph type="sldNum" sz="quarter" idx="12"/>
+          </p:nvPr>
+        </p:nvSpPr>
+        <p:spPr/>
+        <p:txBody>
+          <a:bodyPr/>
+          <a:lstStyle/>
+          <a:p>
+            <a:pPr>
+              <a:defRPr/>
+            </a:pPr>
+            <a:fld id="{574C5FB6-BDB8-4712-A840-20AE1E03C817}" type="slidenum">
+              <a:rPr lang="pt-BR" smtClean="0"/>
+              <a:pPr>
+                <a:defRPr/>
+              </a:pPr>
+              <a:t>2</a:t>
+            </a:fld>
+            <a:endParaRPr lang="pt-BR"/>
+          </a:p>
+        </p:txBody>
+      </p:sp>
+      <p:pic>
+        <p:nvPicPr>
+          <p:cNvPr id="6" name="falling down Penrose Stairs">
+            <a:hlinkClick r:id="" action="ppaction://media"/>
+          </p:cNvPr>
+          <p:cNvPicPr>
+            <a:picLocks noChangeAspect="1"/>
+          </p:cNvPicPr>
+          <p:nvPr>
+            <a:videoFile r:link="rId2"/>
+            <p:extLst>
+              <p:ext uri="{DAA4B4D4-6D71-4841-9C94-3DE7FCFB9230}">
+                <p14:media xmlns:p14="http://schemas.microsoft.com/office/powerpoint/2010/main" r:embed="rId1"/>
+              </p:ext>
+            </p:extLst>
+          </p:nvPr>
+        </p:nvPicPr>
+        <p:blipFill>
+          <a:blip r:embed="rId4"/>
+          <a:stretch>
+            <a:fillRect/>
+          </a:stretch>
+        </p:blipFill>
+        <p:spPr>
+          <a:xfrm>
+            <a:off x="2051720" y="1916832"/>
+            <a:ext cx="4968577" cy="3654139"/>
+          </a:xfrm>
+          <a:prstGeom prst="rect">
+            <a:avLst/>
+          </a:prstGeom>
+        </p:spPr>
+      </p:pic>
+    </p:spTree>
+    <p:extLst>
+      <p:ext uri="{BB962C8B-B14F-4D97-AF65-F5344CB8AC3E}">
+        <p14:creationId xmlns:p14="http://schemas.microsoft.com/office/powerpoint/2010/main" val="2941749862"/>
+      </p:ext>
+    </p:extLst>
+  </p:cSld>
+  <p:clrMapOvr>
+    <a:masterClrMapping/>
+  </p:clrMapOvr>
+  <p:timing>
+    <p:tnLst>
+      <p:par>
+        <p:cTn id="1" dur="indefinite" restart="never" nodeType="tmRoot">
+          <p:childTnLst>
+            <p:seq concurrent="1" nextAc="seek">
+              <p:cTn id="2" dur="indefinite" nodeType="mainSeq">
+                <p:childTnLst>
+                  <p:par>
+                    <p:cTn id="3" fill="hold">
+                      <p:stCondLst>
+                        <p:cond delay="indefinite"/>
+                        <p:cond evt="onBegin" delay="0">
+                          <p:tn val="2"/>
+                        </p:cond>
+                      </p:stCondLst>
+                      <p:childTnLst>
+                        <p:par>
+                          <p:cTn id="4" fill="hold">
+                            <p:stCondLst>
+                              <p:cond delay="0"/>
+                            </p:stCondLst>
+                            <p:childTnLst>
+                              <p:par>
+                                <p:cTn id="5" presetID="1" presetClass="mediacall" presetSubtype="0" fill="hold" nodeType="afterEffect">
+                                  <p:stCondLst>
+                                    <p:cond delay="0"/>
+                                  </p:stCondLst>
+                                  <p:childTnLst>
+                                    <p:cmd type="call" cmd="playFrom(0.0)">
+                                      <p:cBhvr>
+                                        <p:cTn id="6" dur="6720" fill="hold"/>
+                                        <p:tgtEl>
+                                          <p:spTgt spid="6"/>
+                                        </p:tgtEl>
+                                      </p:cBhvr>
+                                    </p:cmd>
+                                  </p:childTnLst>
+                                </p:cTn>
+                              </p:par>
+                            </p:childTnLst>
+                          </p:cTn>
+                        </p:par>
+                      </p:childTnLst>
+                    </p:cTn>
+                  </p:par>
+                </p:childTnLst>
+              </p:cTn>
+              <p:prevCondLst>
+                <p:cond evt="onPrev" delay="0">
+                  <p:tgtEl>
+                    <p:sldTgt/>
+                  </p:tgtEl>
+                </p:cond>
+              </p:prevCondLst>
+              <p:nextCondLst>
+                <p:cond evt="onNext" delay="0">
+                  <p:tgtEl>
+                    <p:sldTgt/>
+                  </p:tgtEl>
+                </p:cond>
+              </p:nextCondLst>
+            </p:seq>
+            <p:video>
+              <p:cMediaNode vol="80000">
+                <p:cTn id="7" repeatCount="indefinite" fill="hold" display="0">
+                  <p:stCondLst>
+                    <p:cond delay="indefinite"/>
+                  </p:stCondLst>
+                </p:cTn>
+                <p:tgtEl>
+                  <p:spTgt spid="6"/>
+                </p:tgtEl>
+              </p:cMediaNode>
+            </p:video>
+            <p:seq concurrent="1" nextAc="seek">
+              <p:cTn id="8" restart="whenNotActive" fill="hold" evtFilter="cancelBubble" nodeType="interactiveSeq">
+                <p:stCondLst>
+                  <p:cond evt="onClick" delay="0">
+                    <p:tgtEl>
+                      <p:spTgt spid="6"/>
+                    </p:tgtEl>
+                  </p:cond>
+                </p:stCondLst>
+                <p:endSync evt="end" delay="0">
+                  <p:rtn val="all"/>
+                </p:endSync>
+                <p:childTnLst>
+                  <p:par>
+                    <p:cTn id="9" fill="hold">
+                      <p:stCondLst>
+                        <p:cond delay="0"/>
+                      </p:stCondLst>
+                      <p:childTnLst>
+                        <p:par>
+                          <p:cTn id="10" fill="hold">
+                            <p:stCondLst>
+                              <p:cond delay="0"/>
+                            </p:stCondLst>
+                            <p:childTnLst>
+                              <p:par>
+                                <p:cTn id="11" presetID="2" presetClass="mediacall" presetSubtype="0" fill="hold" nodeType="clickEffect">
+                                  <p:stCondLst>
+                                    <p:cond delay="0"/>
+                                  </p:stCondLst>
+                                  <p:childTnLst>
+                                    <p:cmd type="call" cmd="togglePause">
+                                      <p:cBhvr>
+                                        <p:cTn id="12" dur="1" fill="hold"/>
+                                        <p:tgtEl>
+                                          <p:spTgt spid="6"/>
+                                        </p:tgtEl>
+                                      </p:cBhvr>
+                                    </p:cmd>
+                                  </p:childTnLst>
+                                </p:cTn>
+                              </p:par>
+                            </p:childTnLst>
+                          </p:cTn>
+                        </p:par>
+                      </p:childTnLst>
+                    </p:cTn>
+                  </p:par>
+                </p:childTnLst>
+              </p:cTn>
+              <p:nextCondLst>
+                <p:cond evt="onClick" delay="0">
+                  <p:tgtEl>
+                    <p:spTgt spid="6"/>
+                  </p:tgtEl>
+                </p:cond>
+              </p:nextCondLst>
+            </p:seq>
+          </p:childTnLst>
+        </p:cTn>
+      </p:par>
+    </p:tnLst>
+  </p:timing>
+</p:sld>
+</file>
+
+<file path=ppt/slides/slide20.xml><?xml version="1.0" encoding="utf-8"?>
+<p:sld xmlns:a="http://schemas.openxmlformats.org/drawingml/2006/main" xmlns:r="http://schemas.openxmlformats.org/officeDocument/2006/relationships" xmlns:p="http://schemas.openxmlformats.org/presentationml/2006/main">
+  <p:cSld>
+    <p:spTree>
+      <p:nvGrpSpPr>
+        <p:cNvPr id="1" name=""/>
+        <p:cNvGrpSpPr/>
+        <p:nvPr/>
+      </p:nvGrpSpPr>
+      <p:grpSpPr>
+        <a:xfrm>
+          <a:off x="0" y="0"/>
+          <a:ext cx="0" cy="0"/>
+          <a:chOff x="0" y="0"/>
+          <a:chExt cx="0" cy="0"/>
+        </a:xfrm>
+      </p:grpSpPr>
+      <p:sp>
+        <p:nvSpPr>
+          <p:cNvPr id="2" name="Título 1"/>
+          <p:cNvSpPr>
+            <a:spLocks noGrp="1"/>
+          </p:cNvSpPr>
+          <p:nvPr>
+            <p:ph type="title"/>
+          </p:nvPr>
+        </p:nvSpPr>
+        <p:spPr/>
+        <p:txBody>
+          <a:bodyPr/>
+          <a:lstStyle/>
+          <a:p>
+            <a:r>
+              <a:rPr lang="pt-BR" dirty="0"/>
+              <a:t>Duvidas?</a:t>
+            </a:r>
+          </a:p>
+        </p:txBody>
+      </p:sp>
+      <p:sp>
+        <p:nvSpPr>
+          <p:cNvPr id="4" name="Espaço Reservado para Número de Slide 3"/>
+          <p:cNvSpPr>
+            <a:spLocks noGrp="1"/>
+          </p:cNvSpPr>
+          <p:nvPr>
+            <p:ph type="sldNum" sz="quarter" idx="12"/>
+          </p:nvPr>
+        </p:nvSpPr>
+        <p:spPr/>
+        <p:txBody>
+          <a:bodyPr/>
+          <a:lstStyle/>
+          <a:p>
+            <a:pPr>
+              <a:defRPr/>
+            </a:pPr>
+            <a:fld id="{574C5FB6-BDB8-4712-A840-20AE1E03C817}" type="slidenum">
+              <a:rPr lang="pt-BR" smtClean="0"/>
+              <a:pPr>
+                <a:defRPr/>
+              </a:pPr>
+              <a:t>20</a:t>
             </a:fld>
             <a:endParaRPr lang="pt-BR"/>
           </a:p>
@@ -4958,7 +6102,7 @@
 </p:sld>
 </file>
 
-<file path=ppt/slides/slide17.xml><?xml version="1.0" encoding="utf-8"?>
+<file path=ppt/slides/slide21.xml><?xml version="1.0" encoding="utf-8"?>
 <p:sld xmlns:a="http://schemas.openxmlformats.org/drawingml/2006/main" xmlns:r="http://schemas.openxmlformats.org/officeDocument/2006/relationships" xmlns:p="http://schemas.openxmlformats.org/presentationml/2006/main">
   <p:cSld>
     <p:spTree>
@@ -5072,263 +6216,6 @@
   <p:clrMapOvr>
     <a:masterClrMapping/>
   </p:clrMapOvr>
-</p:sld>
-</file>
-
-<file path=ppt/slides/slide2.xml><?xml version="1.0" encoding="utf-8"?>
-<p:sld xmlns:a="http://schemas.openxmlformats.org/drawingml/2006/main" xmlns:r="http://schemas.openxmlformats.org/officeDocument/2006/relationships" xmlns:p="http://schemas.openxmlformats.org/presentationml/2006/main">
-  <p:cSld>
-    <p:spTree>
-      <p:nvGrpSpPr>
-        <p:cNvPr id="1" name=""/>
-        <p:cNvGrpSpPr/>
-        <p:nvPr/>
-      </p:nvGrpSpPr>
-      <p:grpSpPr>
-        <a:xfrm>
-          <a:off x="0" y="0"/>
-          <a:ext cx="0" cy="0"/>
-          <a:chOff x="0" y="0"/>
-          <a:chExt cx="0" cy="0"/>
-        </a:xfrm>
-      </p:grpSpPr>
-      <p:sp>
-        <p:nvSpPr>
-          <p:cNvPr id="2" name="Título 1"/>
-          <p:cNvSpPr>
-            <a:spLocks noGrp="1"/>
-          </p:cNvSpPr>
-          <p:nvPr>
-            <p:ph type="title"/>
-          </p:nvPr>
-        </p:nvSpPr>
-        <p:spPr>
-          <a:xfrm>
-            <a:off x="1043608" y="260648"/>
-            <a:ext cx="8229600" cy="1143000"/>
-          </a:xfrm>
-        </p:spPr>
-        <p:txBody>
-          <a:bodyPr/>
-          <a:lstStyle/>
-          <a:p>
-            <a:r>
-              <a:rPr lang="pt-BR" dirty="0"/>
-              <a:t>Conhecimento sobre RBC</a:t>
-            </a:r>
-          </a:p>
-        </p:txBody>
-      </p:sp>
-      <p:sp>
-        <p:nvSpPr>
-          <p:cNvPr id="4" name="Espaço Reservado para Número de Slide 3"/>
-          <p:cNvSpPr>
-            <a:spLocks noGrp="1"/>
-          </p:cNvSpPr>
-          <p:nvPr>
-            <p:ph type="sldNum" sz="quarter" idx="12"/>
-          </p:nvPr>
-        </p:nvSpPr>
-        <p:spPr/>
-        <p:txBody>
-          <a:bodyPr/>
-          <a:lstStyle/>
-          <a:p>
-            <a:pPr>
-              <a:defRPr/>
-            </a:pPr>
-            <a:fld id="{574C5FB6-BDB8-4712-A840-20AE1E03C817}" type="slidenum">
-              <a:rPr lang="pt-BR" smtClean="0"/>
-              <a:pPr>
-                <a:defRPr/>
-              </a:pPr>
-              <a:t>2</a:t>
-            </a:fld>
-            <a:endParaRPr lang="pt-BR"/>
-          </a:p>
-        </p:txBody>
-      </p:sp>
-      <p:pic>
-        <p:nvPicPr>
-          <p:cNvPr id="6" name="falling down Penrose Stairs">
-            <a:hlinkClick r:id="" action="ppaction://media"/>
-          </p:cNvPr>
-          <p:cNvPicPr>
-            <a:picLocks noChangeAspect="1"/>
-          </p:cNvPicPr>
-          <p:nvPr>
-            <a:videoFile r:link="rId2"/>
-            <p:extLst>
-              <p:ext uri="{DAA4B4D4-6D71-4841-9C94-3DE7FCFB9230}">
-                <p14:media xmlns:p14="http://schemas.microsoft.com/office/powerpoint/2010/main" r:embed="rId1"/>
-              </p:ext>
-            </p:extLst>
-          </p:nvPr>
-        </p:nvPicPr>
-        <p:blipFill>
-          <a:blip r:embed="rId4"/>
-          <a:stretch>
-            <a:fillRect/>
-          </a:stretch>
-        </p:blipFill>
-        <p:spPr>
-          <a:xfrm>
-            <a:off x="2051720" y="1916832"/>
-            <a:ext cx="4968577" cy="3654139"/>
-          </a:xfrm>
-          <a:prstGeom prst="rect">
-            <a:avLst/>
-          </a:prstGeom>
-        </p:spPr>
-      </p:pic>
-    </p:spTree>
-    <p:extLst>
-      <p:ext uri="{BB962C8B-B14F-4D97-AF65-F5344CB8AC3E}">
-        <p14:creationId xmlns:p14="http://schemas.microsoft.com/office/powerpoint/2010/main" val="2941749862"/>
-      </p:ext>
-    </p:extLst>
-  </p:cSld>
-  <p:clrMapOvr>
-    <a:masterClrMapping/>
-  </p:clrMapOvr>
-  <p:timing>
-    <p:tnLst>
-      <p:par>
-        <p:cTn id="1" dur="indefinite" restart="never" nodeType="tmRoot">
-          <p:childTnLst>
-            <p:seq concurrent="1" nextAc="seek">
-              <p:cTn id="2" dur="indefinite" nodeType="mainSeq">
-                <p:childTnLst>
-                  <p:par>
-                    <p:cTn id="3" fill="hold">
-                      <p:stCondLst>
-                        <p:cond delay="indefinite"/>
-                        <p:cond evt="onBegin" delay="0">
-                          <p:tn val="2"/>
-                        </p:cond>
-                      </p:stCondLst>
-                      <p:childTnLst>
-                        <p:par>
-                          <p:cTn id="4" fill="hold">
-                            <p:stCondLst>
-                              <p:cond delay="0"/>
-                            </p:stCondLst>
-                            <p:childTnLst>
-                              <p:par>
-                                <p:cTn id="5" presetID="1" presetClass="mediacall" presetSubtype="0" fill="hold" nodeType="afterEffect">
-                                  <p:stCondLst>
-                                    <p:cond delay="0"/>
-                                  </p:stCondLst>
-                                  <p:childTnLst>
-                                    <p:cmd type="call" cmd="playFrom(0.0)">
-                                      <p:cBhvr>
-                                        <p:cTn id="6" dur="6720" fill="hold"/>
-                                        <p:tgtEl>
-                                          <p:spTgt spid="6"/>
-                                        </p:tgtEl>
-                                      </p:cBhvr>
-                                    </p:cmd>
-                                  </p:childTnLst>
-                                </p:cTn>
-                              </p:par>
-                            </p:childTnLst>
-                          </p:cTn>
-                        </p:par>
-                      </p:childTnLst>
-                    </p:cTn>
-                  </p:par>
-                </p:childTnLst>
-              </p:cTn>
-              <p:prevCondLst>
-                <p:cond evt="onPrev" delay="0">
-                  <p:tgtEl>
-                    <p:sldTgt/>
-                  </p:tgtEl>
-                </p:cond>
-              </p:prevCondLst>
-              <p:nextCondLst>
-                <p:cond evt="onNext" delay="0">
-                  <p:tgtEl>
-                    <p:sldTgt/>
-                  </p:tgtEl>
-                </p:cond>
-              </p:nextCondLst>
-            </p:seq>
-            <p:video>
-              <p:cMediaNode vol="80000">
-                <p:cTn id="7" repeatCount="indefinite" fill="hold" display="0">
-                  <p:stCondLst>
-                    <p:cond delay="indefinite"/>
-                  </p:stCondLst>
-                </p:cTn>
-                <p:tgtEl>
-                  <p:spTgt spid="6"/>
-                </p:tgtEl>
-              </p:cMediaNode>
-            </p:video>
-            <p:seq concurrent="1" nextAc="seek">
-              <p:cTn id="8" restart="whenNotActive" fill="hold" evtFilter="cancelBubble" nodeType="interactiveSeq">
-                <p:stCondLst>
-                  <p:cond evt="onClick" delay="0">
-                    <p:tgtEl>
-                      <p:spTgt spid="6"/>
-                    </p:tgtEl>
-                  </p:cond>
-                </p:stCondLst>
-                <p:endSync evt="end" delay="0">
-                  <p:rtn val="all"/>
-                </p:endSync>
-                <p:childTnLst>
-                  <p:par>
-                    <p:cTn id="9" fill="hold">
-                      <p:stCondLst>
-                        <p:cond delay="0"/>
-                      </p:stCondLst>
-                      <p:childTnLst>
-                        <p:par>
-                          <p:cTn id="10" fill="hold">
-                            <p:stCondLst>
-                              <p:cond delay="0"/>
-                            </p:stCondLst>
-                            <p:childTnLst>
-                              <p:par>
-                                <p:cTn id="11" presetID="2" presetClass="mediacall" presetSubtype="0" fill="hold" nodeType="clickEffect">
-                                  <p:stCondLst>
-                                    <p:cond delay="0"/>
-                                  </p:stCondLst>
-                                  <p:childTnLst>
-                                    <p:cmd type="call" cmd="togglePause">
-                                      <p:cBhvr>
-                                        <p:cTn id="12" dur="1" fill="hold"/>
-                                        <p:tgtEl>
-                                          <p:spTgt spid="6"/>
-                                        </p:tgtEl>
-                                      </p:cBhvr>
-                                    </p:cmd>
-                                  </p:childTnLst>
-                                </p:cTn>
-                              </p:par>
-                            </p:childTnLst>
-                          </p:cTn>
-                        </p:par>
-                      </p:childTnLst>
-                    </p:cTn>
-                  </p:par>
-                </p:childTnLst>
-              </p:cTn>
-              <p:nextCondLst>
-                <p:cond evt="onClick" delay="0">
-                  <p:tgtEl>
-                    <p:spTgt spid="6"/>
-                  </p:tgtEl>
-                </p:cond>
-              </p:nextCondLst>
-            </p:seq>
-          </p:childTnLst>
-        </p:cTn>
-      </p:par>
-    </p:tnLst>
-  </p:timing>
 </p:sld>
 </file>
 
@@ -5419,7 +6306,7 @@
           <p:cNvPr id="2" name="Espaço Reservado para Número de Slide 1">
             <a:extLst>
               <a:ext uri="{FF2B5EF4-FFF2-40B4-BE49-F238E27FC236}">
-                <a16:creationId xmlns:a16="http://schemas.microsoft.com/office/drawing/2014/main" xmlns="" id="{FB22D68E-5544-4C66-B676-1E7584CC2A01}"/>
+                <a16:creationId xmlns="" xmlns:a16="http://schemas.microsoft.com/office/drawing/2014/main" id="{FB22D68E-5544-4C66-B676-1E7584CC2A01}"/>
               </a:ext>
             </a:extLst>
           </p:cNvPr>
@@ -5610,7 +6497,7 @@
           <p:cNvPr id="2" name="Espaço Reservado para Número de Slide 1">
             <a:extLst>
               <a:ext uri="{FF2B5EF4-FFF2-40B4-BE49-F238E27FC236}">
-                <a16:creationId xmlns:a16="http://schemas.microsoft.com/office/drawing/2014/main" xmlns="" id="{0779D6B0-3A91-4CDC-8DA2-60EC6E2E71B3}"/>
+                <a16:creationId xmlns="" xmlns:a16="http://schemas.microsoft.com/office/drawing/2014/main" id="{0779D6B0-3A91-4CDC-8DA2-60EC6E2E71B3}"/>
               </a:ext>
             </a:extLst>
           </p:cNvPr>
@@ -6426,7 +7313,6 @@
               <a:rPr lang="pt-BR" dirty="0" smtClean="0"/>
               <a:t>Inviável</a:t>
             </a:r>
-            <a:endParaRPr lang="pt-BR" dirty="0" smtClean="0"/>
           </a:p>
           <a:p>
             <a:r>
@@ -7177,7 +8063,7 @@
   </a:extraClrSchemeLst>
   <a:extLst>
     <a:ext uri="{05A4C25C-085E-4340-85A3-A5531E510DB2}">
-      <thm15:themeFamily xmlns:thm15="http://schemas.microsoft.com/office/thememl/2012/main" name="Office Theme" id="{62F939B6-93AF-4DB8-9C6B-D6C7DFDC589F}" vid="{4A3C46E8-61CC-4603-A589-7422A47A8E4A}"/>
+      <thm15:themeFamily xmlns:thm15="http://schemas.microsoft.com/office/thememl/2012/main" xmlns="" name="Office Theme" id="{62F939B6-93AF-4DB8-9C6B-D6C7DFDC589F}" vid="{4A3C46E8-61CC-4603-A589-7422A47A8E4A}"/>
     </a:ext>
   </a:extLst>
 </a:theme>
@@ -7472,7 +8358,7 @@
   <a:extraClrSchemeLst/>
   <a:extLst>
     <a:ext uri="{05A4C25C-085E-4340-85A3-A5531E510DB2}">
-      <thm15:themeFamily xmlns:thm15="http://schemas.microsoft.com/office/thememl/2012/main" name="Office Theme" id="{62F939B6-93AF-4DB8-9C6B-D6C7DFDC589F}" vid="{4A3C46E8-61CC-4603-A589-7422A47A8E4A}"/>
+      <thm15:themeFamily xmlns:thm15="http://schemas.microsoft.com/office/thememl/2012/main" xmlns="" name="Office Theme" id="{62F939B6-93AF-4DB8-9C6B-D6C7DFDC589F}" vid="{4A3C46E8-61CC-4603-A589-7422A47A8E4A}"/>
     </a:ext>
   </a:extLst>
 </a:theme>
